--- a/week 11/Healthcare Persistency of a Drug Classification.pptx
+++ b/week 11/Healthcare Persistency of a Drug Classification.pptx
@@ -141,7 +141,7 @@
   </p:defaultTextStyle>
   <p:extLst>
     <p:ext uri="{EFAFB233-063F-42B5-8137-9DF3F51BA10A}">
-      <p15:sldGuideLst xmlns:p15="http://schemas.microsoft.com/office/powerpoint/2012/main" xmlns="">
+      <p15:sldGuideLst xmlns="" xmlns:p15="http://schemas.microsoft.com/office/powerpoint/2012/main">
         <p15:guide id="1" orient="horz" pos="864" userDrawn="1">
           <p15:clr>
             <a:srgbClr val="A4A3A4"/>
@@ -180,7 +180,7 @@
           <p:cNvPr id="2" name="Title 1">
             <a:extLst>
               <a:ext uri="{FF2B5EF4-FFF2-40B4-BE49-F238E27FC236}">
-                <a16:creationId xmlns:a16="http://schemas.microsoft.com/office/drawing/2014/main" xmlns="" id="{AC4DAD4F-D51A-CE4F-9BF4-64AFA8185877}"/>
+                <a16:creationId xmlns="" xmlns:a16="http://schemas.microsoft.com/office/drawing/2014/main" id="{AC4DAD4F-D51A-CE4F-9BF4-64AFA8185877}"/>
               </a:ext>
             </a:extLst>
           </p:cNvPr>
@@ -217,7 +217,7 @@
           <p:cNvPr id="3" name="Subtitle 2">
             <a:extLst>
               <a:ext uri="{FF2B5EF4-FFF2-40B4-BE49-F238E27FC236}">
-                <a16:creationId xmlns:a16="http://schemas.microsoft.com/office/drawing/2014/main" xmlns="" id="{758D6271-9D96-0A4B-87B3-E1D50974D196}"/>
+                <a16:creationId xmlns="" xmlns:a16="http://schemas.microsoft.com/office/drawing/2014/main" id="{758D6271-9D96-0A4B-87B3-E1D50974D196}"/>
               </a:ext>
             </a:extLst>
           </p:cNvPr>
@@ -287,7 +287,7 @@
           <p:cNvPr id="4" name="Date Placeholder 3">
             <a:extLst>
               <a:ext uri="{FF2B5EF4-FFF2-40B4-BE49-F238E27FC236}">
-                <a16:creationId xmlns:a16="http://schemas.microsoft.com/office/drawing/2014/main" xmlns="" id="{76EC1E53-AA61-CF45-A38E-0EFB66CC5297}"/>
+                <a16:creationId xmlns="" xmlns:a16="http://schemas.microsoft.com/office/drawing/2014/main" id="{76EC1E53-AA61-CF45-A38E-0EFB66CC5297}"/>
               </a:ext>
             </a:extLst>
           </p:cNvPr>
@@ -316,7 +316,7 @@
           <p:cNvPr id="5" name="Footer Placeholder 4">
             <a:extLst>
               <a:ext uri="{FF2B5EF4-FFF2-40B4-BE49-F238E27FC236}">
-                <a16:creationId xmlns:a16="http://schemas.microsoft.com/office/drawing/2014/main" xmlns="" id="{6A2C1131-FC34-874C-8883-D359C253FEE6}"/>
+                <a16:creationId xmlns="" xmlns:a16="http://schemas.microsoft.com/office/drawing/2014/main" id="{6A2C1131-FC34-874C-8883-D359C253FEE6}"/>
               </a:ext>
             </a:extLst>
           </p:cNvPr>
@@ -341,7 +341,7 @@
           <p:cNvPr id="6" name="Slide Number Placeholder 5">
             <a:extLst>
               <a:ext uri="{FF2B5EF4-FFF2-40B4-BE49-F238E27FC236}">
-                <a16:creationId xmlns:a16="http://schemas.microsoft.com/office/drawing/2014/main" xmlns="" id="{E18D701F-03D9-D947-93D4-B9ECB20FA296}"/>
+                <a16:creationId xmlns="" xmlns:a16="http://schemas.microsoft.com/office/drawing/2014/main" id="{E18D701F-03D9-D947-93D4-B9ECB20FA296}"/>
               </a:ext>
             </a:extLst>
           </p:cNvPr>
@@ -400,7 +400,7 @@
           <p:cNvPr id="2" name="Title 1">
             <a:extLst>
               <a:ext uri="{FF2B5EF4-FFF2-40B4-BE49-F238E27FC236}">
-                <a16:creationId xmlns:a16="http://schemas.microsoft.com/office/drawing/2014/main" xmlns="" id="{5E84DA76-EFBB-F941-A966-1AB95DA793F6}"/>
+                <a16:creationId xmlns="" xmlns:a16="http://schemas.microsoft.com/office/drawing/2014/main" id="{5E84DA76-EFBB-F941-A966-1AB95DA793F6}"/>
               </a:ext>
             </a:extLst>
           </p:cNvPr>
@@ -428,7 +428,7 @@
           <p:cNvPr id="3" name="Vertical Text Placeholder 2">
             <a:extLst>
               <a:ext uri="{FF2B5EF4-FFF2-40B4-BE49-F238E27FC236}">
-                <a16:creationId xmlns:a16="http://schemas.microsoft.com/office/drawing/2014/main" xmlns="" id="{3B7B00F2-99E1-2747-B65D-ED46D625D3DD}"/>
+                <a16:creationId xmlns="" xmlns:a16="http://schemas.microsoft.com/office/drawing/2014/main" id="{3B7B00F2-99E1-2747-B65D-ED46D625D3DD}"/>
               </a:ext>
             </a:extLst>
           </p:cNvPr>
@@ -485,7 +485,7 @@
           <p:cNvPr id="4" name="Date Placeholder 3">
             <a:extLst>
               <a:ext uri="{FF2B5EF4-FFF2-40B4-BE49-F238E27FC236}">
-                <a16:creationId xmlns:a16="http://schemas.microsoft.com/office/drawing/2014/main" xmlns="" id="{8461CB34-1F68-0142-B0FC-B44DF9F47878}"/>
+                <a16:creationId xmlns="" xmlns:a16="http://schemas.microsoft.com/office/drawing/2014/main" id="{8461CB34-1F68-0142-B0FC-B44DF9F47878}"/>
               </a:ext>
             </a:extLst>
           </p:cNvPr>
@@ -514,7 +514,7 @@
           <p:cNvPr id="5" name="Footer Placeholder 4">
             <a:extLst>
               <a:ext uri="{FF2B5EF4-FFF2-40B4-BE49-F238E27FC236}">
-                <a16:creationId xmlns:a16="http://schemas.microsoft.com/office/drawing/2014/main" xmlns="" id="{B14DD18D-202D-B54B-AE2B-6C0708781ED5}"/>
+                <a16:creationId xmlns="" xmlns:a16="http://schemas.microsoft.com/office/drawing/2014/main" id="{B14DD18D-202D-B54B-AE2B-6C0708781ED5}"/>
               </a:ext>
             </a:extLst>
           </p:cNvPr>
@@ -539,7 +539,7 @@
           <p:cNvPr id="6" name="Slide Number Placeholder 5">
             <a:extLst>
               <a:ext uri="{FF2B5EF4-FFF2-40B4-BE49-F238E27FC236}">
-                <a16:creationId xmlns:a16="http://schemas.microsoft.com/office/drawing/2014/main" xmlns="" id="{AA043CD5-A658-2A4D-9439-1801C9D99458}"/>
+                <a16:creationId xmlns="" xmlns:a16="http://schemas.microsoft.com/office/drawing/2014/main" id="{AA043CD5-A658-2A4D-9439-1801C9D99458}"/>
               </a:ext>
             </a:extLst>
           </p:cNvPr>
@@ -598,7 +598,7 @@
           <p:cNvPr id="2" name="Vertical Title 1">
             <a:extLst>
               <a:ext uri="{FF2B5EF4-FFF2-40B4-BE49-F238E27FC236}">
-                <a16:creationId xmlns:a16="http://schemas.microsoft.com/office/drawing/2014/main" xmlns="" id="{0871FCDC-919C-CA4C-A815-980B3A6288A2}"/>
+                <a16:creationId xmlns="" xmlns:a16="http://schemas.microsoft.com/office/drawing/2014/main" id="{0871FCDC-919C-CA4C-A815-980B3A6288A2}"/>
               </a:ext>
             </a:extLst>
           </p:cNvPr>
@@ -631,7 +631,7 @@
           <p:cNvPr id="3" name="Vertical Text Placeholder 2">
             <a:extLst>
               <a:ext uri="{FF2B5EF4-FFF2-40B4-BE49-F238E27FC236}">
-                <a16:creationId xmlns:a16="http://schemas.microsoft.com/office/drawing/2014/main" xmlns="" id="{E77780B6-9946-8448-91F6-FFE2F314146D}"/>
+                <a16:creationId xmlns="" xmlns:a16="http://schemas.microsoft.com/office/drawing/2014/main" id="{E77780B6-9946-8448-91F6-FFE2F314146D}"/>
               </a:ext>
             </a:extLst>
           </p:cNvPr>
@@ -693,7 +693,7 @@
           <p:cNvPr id="4" name="Date Placeholder 3">
             <a:extLst>
               <a:ext uri="{FF2B5EF4-FFF2-40B4-BE49-F238E27FC236}">
-                <a16:creationId xmlns:a16="http://schemas.microsoft.com/office/drawing/2014/main" xmlns="" id="{FD437C5F-BFDB-3E4B-9F8E-C05B1696F26B}"/>
+                <a16:creationId xmlns="" xmlns:a16="http://schemas.microsoft.com/office/drawing/2014/main" id="{FD437C5F-BFDB-3E4B-9F8E-C05B1696F26B}"/>
               </a:ext>
             </a:extLst>
           </p:cNvPr>
@@ -722,7 +722,7 @@
           <p:cNvPr id="5" name="Footer Placeholder 4">
             <a:extLst>
               <a:ext uri="{FF2B5EF4-FFF2-40B4-BE49-F238E27FC236}">
-                <a16:creationId xmlns:a16="http://schemas.microsoft.com/office/drawing/2014/main" xmlns="" id="{7EFF9A7B-A0EB-4B4D-AEB7-69CF137ED36C}"/>
+                <a16:creationId xmlns="" xmlns:a16="http://schemas.microsoft.com/office/drawing/2014/main" id="{7EFF9A7B-A0EB-4B4D-AEB7-69CF137ED36C}"/>
               </a:ext>
             </a:extLst>
           </p:cNvPr>
@@ -747,7 +747,7 @@
           <p:cNvPr id="6" name="Slide Number Placeholder 5">
             <a:extLst>
               <a:ext uri="{FF2B5EF4-FFF2-40B4-BE49-F238E27FC236}">
-                <a16:creationId xmlns:a16="http://schemas.microsoft.com/office/drawing/2014/main" xmlns="" id="{3FFA1E11-39AB-3948-9FCB-6C9762451E2B}"/>
+                <a16:creationId xmlns="" xmlns:a16="http://schemas.microsoft.com/office/drawing/2014/main" id="{3FFA1E11-39AB-3948-9FCB-6C9762451E2B}"/>
               </a:ext>
             </a:extLst>
           </p:cNvPr>
@@ -806,7 +806,7 @@
           <p:cNvPr id="2" name="Title 1">
             <a:extLst>
               <a:ext uri="{FF2B5EF4-FFF2-40B4-BE49-F238E27FC236}">
-                <a16:creationId xmlns:a16="http://schemas.microsoft.com/office/drawing/2014/main" xmlns="" id="{7746CB00-50B4-C942-A899-D1451AEC75A7}"/>
+                <a16:creationId xmlns="" xmlns:a16="http://schemas.microsoft.com/office/drawing/2014/main" id="{7746CB00-50B4-C942-A899-D1451AEC75A7}"/>
               </a:ext>
             </a:extLst>
           </p:cNvPr>
@@ -834,7 +834,7 @@
           <p:cNvPr id="3" name="Content Placeholder 2">
             <a:extLst>
               <a:ext uri="{FF2B5EF4-FFF2-40B4-BE49-F238E27FC236}">
-                <a16:creationId xmlns:a16="http://schemas.microsoft.com/office/drawing/2014/main" xmlns="" id="{A01941D0-1D38-5641-A2DD-950EB427D48D}"/>
+                <a16:creationId xmlns="" xmlns:a16="http://schemas.microsoft.com/office/drawing/2014/main" id="{A01941D0-1D38-5641-A2DD-950EB427D48D}"/>
               </a:ext>
             </a:extLst>
           </p:cNvPr>
@@ -891,7 +891,7 @@
           <p:cNvPr id="4" name="Date Placeholder 3">
             <a:extLst>
               <a:ext uri="{FF2B5EF4-FFF2-40B4-BE49-F238E27FC236}">
-                <a16:creationId xmlns:a16="http://schemas.microsoft.com/office/drawing/2014/main" xmlns="" id="{D7CA9207-0D28-D342-816D-F8EDA3DD0694}"/>
+                <a16:creationId xmlns="" xmlns:a16="http://schemas.microsoft.com/office/drawing/2014/main" id="{D7CA9207-0D28-D342-816D-F8EDA3DD0694}"/>
               </a:ext>
             </a:extLst>
           </p:cNvPr>
@@ -920,7 +920,7 @@
           <p:cNvPr id="5" name="Footer Placeholder 4">
             <a:extLst>
               <a:ext uri="{FF2B5EF4-FFF2-40B4-BE49-F238E27FC236}">
-                <a16:creationId xmlns:a16="http://schemas.microsoft.com/office/drawing/2014/main" xmlns="" id="{C52E771C-66A5-F041-A46C-C8042E9B2DBA}"/>
+                <a16:creationId xmlns="" xmlns:a16="http://schemas.microsoft.com/office/drawing/2014/main" id="{C52E771C-66A5-F041-A46C-C8042E9B2DBA}"/>
               </a:ext>
             </a:extLst>
           </p:cNvPr>
@@ -945,7 +945,7 @@
           <p:cNvPr id="6" name="Slide Number Placeholder 5">
             <a:extLst>
               <a:ext uri="{FF2B5EF4-FFF2-40B4-BE49-F238E27FC236}">
-                <a16:creationId xmlns:a16="http://schemas.microsoft.com/office/drawing/2014/main" xmlns="" id="{3A0D90BC-0A56-804B-997F-5C305234F939}"/>
+                <a16:creationId xmlns="" xmlns:a16="http://schemas.microsoft.com/office/drawing/2014/main" id="{3A0D90BC-0A56-804B-997F-5C305234F939}"/>
               </a:ext>
             </a:extLst>
           </p:cNvPr>
@@ -1004,7 +1004,7 @@
           <p:cNvPr id="2" name="Title 1">
             <a:extLst>
               <a:ext uri="{FF2B5EF4-FFF2-40B4-BE49-F238E27FC236}">
-                <a16:creationId xmlns:a16="http://schemas.microsoft.com/office/drawing/2014/main" xmlns="" id="{860A685D-7B5A-5E41-8EAF-429769BBEDCF}"/>
+                <a16:creationId xmlns="" xmlns:a16="http://schemas.microsoft.com/office/drawing/2014/main" id="{860A685D-7B5A-5E41-8EAF-429769BBEDCF}"/>
               </a:ext>
             </a:extLst>
           </p:cNvPr>
@@ -1041,7 +1041,7 @@
           <p:cNvPr id="3" name="Text Placeholder 2">
             <a:extLst>
               <a:ext uri="{FF2B5EF4-FFF2-40B4-BE49-F238E27FC236}">
-                <a16:creationId xmlns:a16="http://schemas.microsoft.com/office/drawing/2014/main" xmlns="" id="{6C5B8E63-14F0-7C4B-B839-27AD382C124E}"/>
+                <a16:creationId xmlns="" xmlns:a16="http://schemas.microsoft.com/office/drawing/2014/main" id="{6C5B8E63-14F0-7C4B-B839-27AD382C124E}"/>
               </a:ext>
             </a:extLst>
           </p:cNvPr>
@@ -1166,7 +1166,7 @@
           <p:cNvPr id="4" name="Date Placeholder 3">
             <a:extLst>
               <a:ext uri="{FF2B5EF4-FFF2-40B4-BE49-F238E27FC236}">
-                <a16:creationId xmlns:a16="http://schemas.microsoft.com/office/drawing/2014/main" xmlns="" id="{705C28A9-C0DF-B94F-819D-731A164011C5}"/>
+                <a16:creationId xmlns="" xmlns:a16="http://schemas.microsoft.com/office/drawing/2014/main" id="{705C28A9-C0DF-B94F-819D-731A164011C5}"/>
               </a:ext>
             </a:extLst>
           </p:cNvPr>
@@ -1195,7 +1195,7 @@
           <p:cNvPr id="5" name="Footer Placeholder 4">
             <a:extLst>
               <a:ext uri="{FF2B5EF4-FFF2-40B4-BE49-F238E27FC236}">
-                <a16:creationId xmlns:a16="http://schemas.microsoft.com/office/drawing/2014/main" xmlns="" id="{4F91BED9-C99D-BE4D-9E2E-9FD6D5755440}"/>
+                <a16:creationId xmlns="" xmlns:a16="http://schemas.microsoft.com/office/drawing/2014/main" id="{4F91BED9-C99D-BE4D-9E2E-9FD6D5755440}"/>
               </a:ext>
             </a:extLst>
           </p:cNvPr>
@@ -1220,7 +1220,7 @@
           <p:cNvPr id="6" name="Slide Number Placeholder 5">
             <a:extLst>
               <a:ext uri="{FF2B5EF4-FFF2-40B4-BE49-F238E27FC236}">
-                <a16:creationId xmlns:a16="http://schemas.microsoft.com/office/drawing/2014/main" xmlns="" id="{21E2CCAB-C2B6-9044-BAF6-D8EB23480AF3}"/>
+                <a16:creationId xmlns="" xmlns:a16="http://schemas.microsoft.com/office/drawing/2014/main" id="{21E2CCAB-C2B6-9044-BAF6-D8EB23480AF3}"/>
               </a:ext>
             </a:extLst>
           </p:cNvPr>
@@ -1279,7 +1279,7 @@
           <p:cNvPr id="2" name="Title 1">
             <a:extLst>
               <a:ext uri="{FF2B5EF4-FFF2-40B4-BE49-F238E27FC236}">
-                <a16:creationId xmlns:a16="http://schemas.microsoft.com/office/drawing/2014/main" xmlns="" id="{B9D29899-9E7E-1742-A79B-21918FC45138}"/>
+                <a16:creationId xmlns="" xmlns:a16="http://schemas.microsoft.com/office/drawing/2014/main" id="{B9D29899-9E7E-1742-A79B-21918FC45138}"/>
               </a:ext>
             </a:extLst>
           </p:cNvPr>
@@ -1307,7 +1307,7 @@
           <p:cNvPr id="3" name="Content Placeholder 2">
             <a:extLst>
               <a:ext uri="{FF2B5EF4-FFF2-40B4-BE49-F238E27FC236}">
-                <a16:creationId xmlns:a16="http://schemas.microsoft.com/office/drawing/2014/main" xmlns="" id="{485C688A-9CC3-EE42-B095-6BC65AB62739}"/>
+                <a16:creationId xmlns="" xmlns:a16="http://schemas.microsoft.com/office/drawing/2014/main" id="{485C688A-9CC3-EE42-B095-6BC65AB62739}"/>
               </a:ext>
             </a:extLst>
           </p:cNvPr>
@@ -1369,7 +1369,7 @@
           <p:cNvPr id="4" name="Content Placeholder 3">
             <a:extLst>
               <a:ext uri="{FF2B5EF4-FFF2-40B4-BE49-F238E27FC236}">
-                <a16:creationId xmlns:a16="http://schemas.microsoft.com/office/drawing/2014/main" xmlns="" id="{2B3497AD-DF30-1C4D-BD19-B21449121283}"/>
+                <a16:creationId xmlns="" xmlns:a16="http://schemas.microsoft.com/office/drawing/2014/main" id="{2B3497AD-DF30-1C4D-BD19-B21449121283}"/>
               </a:ext>
             </a:extLst>
           </p:cNvPr>
@@ -1431,7 +1431,7 @@
           <p:cNvPr id="5" name="Date Placeholder 4">
             <a:extLst>
               <a:ext uri="{FF2B5EF4-FFF2-40B4-BE49-F238E27FC236}">
-                <a16:creationId xmlns:a16="http://schemas.microsoft.com/office/drawing/2014/main" xmlns="" id="{6C56D767-4E38-C442-8372-77A1B64EFA8A}"/>
+                <a16:creationId xmlns="" xmlns:a16="http://schemas.microsoft.com/office/drawing/2014/main" id="{6C56D767-4E38-C442-8372-77A1B64EFA8A}"/>
               </a:ext>
             </a:extLst>
           </p:cNvPr>
@@ -1460,7 +1460,7 @@
           <p:cNvPr id="6" name="Footer Placeholder 5">
             <a:extLst>
               <a:ext uri="{FF2B5EF4-FFF2-40B4-BE49-F238E27FC236}">
-                <a16:creationId xmlns:a16="http://schemas.microsoft.com/office/drawing/2014/main" xmlns="" id="{A0816581-5322-A847-976F-D94A69B11ED5}"/>
+                <a16:creationId xmlns="" xmlns:a16="http://schemas.microsoft.com/office/drawing/2014/main" id="{A0816581-5322-A847-976F-D94A69B11ED5}"/>
               </a:ext>
             </a:extLst>
           </p:cNvPr>
@@ -1485,7 +1485,7 @@
           <p:cNvPr id="7" name="Slide Number Placeholder 6">
             <a:extLst>
               <a:ext uri="{FF2B5EF4-FFF2-40B4-BE49-F238E27FC236}">
-                <a16:creationId xmlns:a16="http://schemas.microsoft.com/office/drawing/2014/main" xmlns="" id="{1E7309BF-49E6-3747-B55B-94BC01967BAB}"/>
+                <a16:creationId xmlns="" xmlns:a16="http://schemas.microsoft.com/office/drawing/2014/main" id="{1E7309BF-49E6-3747-B55B-94BC01967BAB}"/>
               </a:ext>
             </a:extLst>
           </p:cNvPr>
@@ -1544,7 +1544,7 @@
           <p:cNvPr id="2" name="Title 1">
             <a:extLst>
               <a:ext uri="{FF2B5EF4-FFF2-40B4-BE49-F238E27FC236}">
-                <a16:creationId xmlns:a16="http://schemas.microsoft.com/office/drawing/2014/main" xmlns="" id="{C77A2536-1DE4-7A47-A386-016FBA94353B}"/>
+                <a16:creationId xmlns="" xmlns:a16="http://schemas.microsoft.com/office/drawing/2014/main" id="{C77A2536-1DE4-7A47-A386-016FBA94353B}"/>
               </a:ext>
             </a:extLst>
           </p:cNvPr>
@@ -1577,7 +1577,7 @@
           <p:cNvPr id="3" name="Text Placeholder 2">
             <a:extLst>
               <a:ext uri="{FF2B5EF4-FFF2-40B4-BE49-F238E27FC236}">
-                <a16:creationId xmlns:a16="http://schemas.microsoft.com/office/drawing/2014/main" xmlns="" id="{A0C83851-2E77-EC44-83BD-05390C2BB2C8}"/>
+                <a16:creationId xmlns="" xmlns:a16="http://schemas.microsoft.com/office/drawing/2014/main" id="{A0C83851-2E77-EC44-83BD-05390C2BB2C8}"/>
               </a:ext>
             </a:extLst>
           </p:cNvPr>
@@ -1648,7 +1648,7 @@
           <p:cNvPr id="4" name="Content Placeholder 3">
             <a:extLst>
               <a:ext uri="{FF2B5EF4-FFF2-40B4-BE49-F238E27FC236}">
-                <a16:creationId xmlns:a16="http://schemas.microsoft.com/office/drawing/2014/main" xmlns="" id="{6C6A16C2-2051-BA40-9C17-A1802E311232}"/>
+                <a16:creationId xmlns="" xmlns:a16="http://schemas.microsoft.com/office/drawing/2014/main" id="{6C6A16C2-2051-BA40-9C17-A1802E311232}"/>
               </a:ext>
             </a:extLst>
           </p:cNvPr>
@@ -1710,7 +1710,7 @@
           <p:cNvPr id="5" name="Text Placeholder 4">
             <a:extLst>
               <a:ext uri="{FF2B5EF4-FFF2-40B4-BE49-F238E27FC236}">
-                <a16:creationId xmlns:a16="http://schemas.microsoft.com/office/drawing/2014/main" xmlns="" id="{9F72B78F-B765-8E49-9E78-1AC1408F1936}"/>
+                <a16:creationId xmlns="" xmlns:a16="http://schemas.microsoft.com/office/drawing/2014/main" id="{9F72B78F-B765-8E49-9E78-1AC1408F1936}"/>
               </a:ext>
             </a:extLst>
           </p:cNvPr>
@@ -1781,7 +1781,7 @@
           <p:cNvPr id="6" name="Content Placeholder 5">
             <a:extLst>
               <a:ext uri="{FF2B5EF4-FFF2-40B4-BE49-F238E27FC236}">
-                <a16:creationId xmlns:a16="http://schemas.microsoft.com/office/drawing/2014/main" xmlns="" id="{CDE434D3-6A0A-4D4A-84FB-CCE23E3640A4}"/>
+                <a16:creationId xmlns="" xmlns:a16="http://schemas.microsoft.com/office/drawing/2014/main" id="{CDE434D3-6A0A-4D4A-84FB-CCE23E3640A4}"/>
               </a:ext>
             </a:extLst>
           </p:cNvPr>
@@ -1843,7 +1843,7 @@
           <p:cNvPr id="7" name="Date Placeholder 6">
             <a:extLst>
               <a:ext uri="{FF2B5EF4-FFF2-40B4-BE49-F238E27FC236}">
-                <a16:creationId xmlns:a16="http://schemas.microsoft.com/office/drawing/2014/main" xmlns="" id="{8D440FB1-D9CC-0B49-AE9F-5878A0AAB48F}"/>
+                <a16:creationId xmlns="" xmlns:a16="http://schemas.microsoft.com/office/drawing/2014/main" id="{8D440FB1-D9CC-0B49-AE9F-5878A0AAB48F}"/>
               </a:ext>
             </a:extLst>
           </p:cNvPr>
@@ -1872,7 +1872,7 @@
           <p:cNvPr id="8" name="Footer Placeholder 7">
             <a:extLst>
               <a:ext uri="{FF2B5EF4-FFF2-40B4-BE49-F238E27FC236}">
-                <a16:creationId xmlns:a16="http://schemas.microsoft.com/office/drawing/2014/main" xmlns="" id="{4FB40F16-A558-2D4E-B42F-388ED6F866FD}"/>
+                <a16:creationId xmlns="" xmlns:a16="http://schemas.microsoft.com/office/drawing/2014/main" id="{4FB40F16-A558-2D4E-B42F-388ED6F866FD}"/>
               </a:ext>
             </a:extLst>
           </p:cNvPr>
@@ -1897,7 +1897,7 @@
           <p:cNvPr id="9" name="Slide Number Placeholder 8">
             <a:extLst>
               <a:ext uri="{FF2B5EF4-FFF2-40B4-BE49-F238E27FC236}">
-                <a16:creationId xmlns:a16="http://schemas.microsoft.com/office/drawing/2014/main" xmlns="" id="{B8639D33-CB03-E541-92B0-F417F7EE4E1B}"/>
+                <a16:creationId xmlns="" xmlns:a16="http://schemas.microsoft.com/office/drawing/2014/main" id="{B8639D33-CB03-E541-92B0-F417F7EE4E1B}"/>
               </a:ext>
             </a:extLst>
           </p:cNvPr>
@@ -1956,7 +1956,7 @@
           <p:cNvPr id="2" name="Title 1">
             <a:extLst>
               <a:ext uri="{FF2B5EF4-FFF2-40B4-BE49-F238E27FC236}">
-                <a16:creationId xmlns:a16="http://schemas.microsoft.com/office/drawing/2014/main" xmlns="" id="{D17D11CA-FD74-5442-BF71-1E4931CA791E}"/>
+                <a16:creationId xmlns="" xmlns:a16="http://schemas.microsoft.com/office/drawing/2014/main" id="{D17D11CA-FD74-5442-BF71-1E4931CA791E}"/>
               </a:ext>
             </a:extLst>
           </p:cNvPr>
@@ -1984,7 +1984,7 @@
           <p:cNvPr id="3" name="Date Placeholder 2">
             <a:extLst>
               <a:ext uri="{FF2B5EF4-FFF2-40B4-BE49-F238E27FC236}">
-                <a16:creationId xmlns:a16="http://schemas.microsoft.com/office/drawing/2014/main" xmlns="" id="{4C2041D4-0DBE-7A43-897B-B22E0E2546D0}"/>
+                <a16:creationId xmlns="" xmlns:a16="http://schemas.microsoft.com/office/drawing/2014/main" id="{4C2041D4-0DBE-7A43-897B-B22E0E2546D0}"/>
               </a:ext>
             </a:extLst>
           </p:cNvPr>
@@ -2013,7 +2013,7 @@
           <p:cNvPr id="4" name="Footer Placeholder 3">
             <a:extLst>
               <a:ext uri="{FF2B5EF4-FFF2-40B4-BE49-F238E27FC236}">
-                <a16:creationId xmlns:a16="http://schemas.microsoft.com/office/drawing/2014/main" xmlns="" id="{5850DBF2-E963-E942-A045-ECDCDF198BB7}"/>
+                <a16:creationId xmlns="" xmlns:a16="http://schemas.microsoft.com/office/drawing/2014/main" id="{5850DBF2-E963-E942-A045-ECDCDF198BB7}"/>
               </a:ext>
             </a:extLst>
           </p:cNvPr>
@@ -2038,7 +2038,7 @@
           <p:cNvPr id="5" name="Slide Number Placeholder 4">
             <a:extLst>
               <a:ext uri="{FF2B5EF4-FFF2-40B4-BE49-F238E27FC236}">
-                <a16:creationId xmlns:a16="http://schemas.microsoft.com/office/drawing/2014/main" xmlns="" id="{3ADC782F-97A5-4445-ADD2-16A5A997DB90}"/>
+                <a16:creationId xmlns="" xmlns:a16="http://schemas.microsoft.com/office/drawing/2014/main" id="{3ADC782F-97A5-4445-ADD2-16A5A997DB90}"/>
               </a:ext>
             </a:extLst>
           </p:cNvPr>
@@ -2097,7 +2097,7 @@
           <p:cNvPr id="2" name="Date Placeholder 1">
             <a:extLst>
               <a:ext uri="{FF2B5EF4-FFF2-40B4-BE49-F238E27FC236}">
-                <a16:creationId xmlns:a16="http://schemas.microsoft.com/office/drawing/2014/main" xmlns="" id="{C57550D9-34E2-494D-8F81-DD79230EAE06}"/>
+                <a16:creationId xmlns="" xmlns:a16="http://schemas.microsoft.com/office/drawing/2014/main" id="{C57550D9-34E2-494D-8F81-DD79230EAE06}"/>
               </a:ext>
             </a:extLst>
           </p:cNvPr>
@@ -2126,7 +2126,7 @@
           <p:cNvPr id="3" name="Footer Placeholder 2">
             <a:extLst>
               <a:ext uri="{FF2B5EF4-FFF2-40B4-BE49-F238E27FC236}">
-                <a16:creationId xmlns:a16="http://schemas.microsoft.com/office/drawing/2014/main" xmlns="" id="{5B154BD3-48A6-5243-B89A-ABF7547EB5F3}"/>
+                <a16:creationId xmlns="" xmlns:a16="http://schemas.microsoft.com/office/drawing/2014/main" id="{5B154BD3-48A6-5243-B89A-ABF7547EB5F3}"/>
               </a:ext>
             </a:extLst>
           </p:cNvPr>
@@ -2151,7 +2151,7 @@
           <p:cNvPr id="4" name="Slide Number Placeholder 3">
             <a:extLst>
               <a:ext uri="{FF2B5EF4-FFF2-40B4-BE49-F238E27FC236}">
-                <a16:creationId xmlns:a16="http://schemas.microsoft.com/office/drawing/2014/main" xmlns="" id="{8B5EA97B-F750-2B4F-B2F1-E76745D1244E}"/>
+                <a16:creationId xmlns="" xmlns:a16="http://schemas.microsoft.com/office/drawing/2014/main" id="{8B5EA97B-F750-2B4F-B2F1-E76745D1244E}"/>
               </a:ext>
             </a:extLst>
           </p:cNvPr>
@@ -2210,7 +2210,7 @@
           <p:cNvPr id="2" name="Title 1">
             <a:extLst>
               <a:ext uri="{FF2B5EF4-FFF2-40B4-BE49-F238E27FC236}">
-                <a16:creationId xmlns:a16="http://schemas.microsoft.com/office/drawing/2014/main" xmlns="" id="{9AC64BA2-CCEF-9C4B-9341-1321C0582F38}"/>
+                <a16:creationId xmlns="" xmlns:a16="http://schemas.microsoft.com/office/drawing/2014/main" id="{9AC64BA2-CCEF-9C4B-9341-1321C0582F38}"/>
               </a:ext>
             </a:extLst>
           </p:cNvPr>
@@ -2247,7 +2247,7 @@
           <p:cNvPr id="3" name="Content Placeholder 2">
             <a:extLst>
               <a:ext uri="{FF2B5EF4-FFF2-40B4-BE49-F238E27FC236}">
-                <a16:creationId xmlns:a16="http://schemas.microsoft.com/office/drawing/2014/main" xmlns="" id="{6B5366DF-94F2-014A-B39E-D15811439511}"/>
+                <a16:creationId xmlns="" xmlns:a16="http://schemas.microsoft.com/office/drawing/2014/main" id="{6B5366DF-94F2-014A-B39E-D15811439511}"/>
               </a:ext>
             </a:extLst>
           </p:cNvPr>
@@ -2337,7 +2337,7 @@
           <p:cNvPr id="4" name="Text Placeholder 3">
             <a:extLst>
               <a:ext uri="{FF2B5EF4-FFF2-40B4-BE49-F238E27FC236}">
-                <a16:creationId xmlns:a16="http://schemas.microsoft.com/office/drawing/2014/main" xmlns="" id="{0322D09A-4A40-E841-8F70-E1D544E035B1}"/>
+                <a16:creationId xmlns="" xmlns:a16="http://schemas.microsoft.com/office/drawing/2014/main" id="{0322D09A-4A40-E841-8F70-E1D544E035B1}"/>
               </a:ext>
             </a:extLst>
           </p:cNvPr>
@@ -2408,7 +2408,7 @@
           <p:cNvPr id="5" name="Date Placeholder 4">
             <a:extLst>
               <a:ext uri="{FF2B5EF4-FFF2-40B4-BE49-F238E27FC236}">
-                <a16:creationId xmlns:a16="http://schemas.microsoft.com/office/drawing/2014/main" xmlns="" id="{FC227AEE-0B60-6343-B03C-96B10444F686}"/>
+                <a16:creationId xmlns="" xmlns:a16="http://schemas.microsoft.com/office/drawing/2014/main" id="{FC227AEE-0B60-6343-B03C-96B10444F686}"/>
               </a:ext>
             </a:extLst>
           </p:cNvPr>
@@ -2437,7 +2437,7 @@
           <p:cNvPr id="6" name="Footer Placeholder 5">
             <a:extLst>
               <a:ext uri="{FF2B5EF4-FFF2-40B4-BE49-F238E27FC236}">
-                <a16:creationId xmlns:a16="http://schemas.microsoft.com/office/drawing/2014/main" xmlns="" id="{FEEDEC06-105B-2E46-BC96-12B86D418509}"/>
+                <a16:creationId xmlns="" xmlns:a16="http://schemas.microsoft.com/office/drawing/2014/main" id="{FEEDEC06-105B-2E46-BC96-12B86D418509}"/>
               </a:ext>
             </a:extLst>
           </p:cNvPr>
@@ -2462,7 +2462,7 @@
           <p:cNvPr id="7" name="Slide Number Placeholder 6">
             <a:extLst>
               <a:ext uri="{FF2B5EF4-FFF2-40B4-BE49-F238E27FC236}">
-                <a16:creationId xmlns:a16="http://schemas.microsoft.com/office/drawing/2014/main" xmlns="" id="{449B33B3-3AB6-CA41-B81D-4E3D938DD9D7}"/>
+                <a16:creationId xmlns="" xmlns:a16="http://schemas.microsoft.com/office/drawing/2014/main" id="{449B33B3-3AB6-CA41-B81D-4E3D938DD9D7}"/>
               </a:ext>
             </a:extLst>
           </p:cNvPr>
@@ -2521,7 +2521,7 @@
           <p:cNvPr id="2" name="Title 1">
             <a:extLst>
               <a:ext uri="{FF2B5EF4-FFF2-40B4-BE49-F238E27FC236}">
-                <a16:creationId xmlns:a16="http://schemas.microsoft.com/office/drawing/2014/main" xmlns="" id="{41551441-A4BA-BB44-8779-89F782831195}"/>
+                <a16:creationId xmlns="" xmlns:a16="http://schemas.microsoft.com/office/drawing/2014/main" id="{41551441-A4BA-BB44-8779-89F782831195}"/>
               </a:ext>
             </a:extLst>
           </p:cNvPr>
@@ -2558,7 +2558,7 @@
           <p:cNvPr id="3" name="Picture Placeholder 2">
             <a:extLst>
               <a:ext uri="{FF2B5EF4-FFF2-40B4-BE49-F238E27FC236}">
-                <a16:creationId xmlns:a16="http://schemas.microsoft.com/office/drawing/2014/main" xmlns="" id="{9756B248-D1F2-2646-A192-94B788A8B7AD}"/>
+                <a16:creationId xmlns="" xmlns:a16="http://schemas.microsoft.com/office/drawing/2014/main" id="{9756B248-D1F2-2646-A192-94B788A8B7AD}"/>
               </a:ext>
             </a:extLst>
           </p:cNvPr>
@@ -2625,7 +2625,7 @@
           <p:cNvPr id="4" name="Text Placeholder 3">
             <a:extLst>
               <a:ext uri="{FF2B5EF4-FFF2-40B4-BE49-F238E27FC236}">
-                <a16:creationId xmlns:a16="http://schemas.microsoft.com/office/drawing/2014/main" xmlns="" id="{9390720E-5DD4-A642-9A31-CBA29638614F}"/>
+                <a16:creationId xmlns="" xmlns:a16="http://schemas.microsoft.com/office/drawing/2014/main" id="{9390720E-5DD4-A642-9A31-CBA29638614F}"/>
               </a:ext>
             </a:extLst>
           </p:cNvPr>
@@ -2696,7 +2696,7 @@
           <p:cNvPr id="5" name="Date Placeholder 4">
             <a:extLst>
               <a:ext uri="{FF2B5EF4-FFF2-40B4-BE49-F238E27FC236}">
-                <a16:creationId xmlns:a16="http://schemas.microsoft.com/office/drawing/2014/main" xmlns="" id="{12F844B1-5331-5F40-92A8-DA2DCDF3BEBB}"/>
+                <a16:creationId xmlns="" xmlns:a16="http://schemas.microsoft.com/office/drawing/2014/main" id="{12F844B1-5331-5F40-92A8-DA2DCDF3BEBB}"/>
               </a:ext>
             </a:extLst>
           </p:cNvPr>
@@ -2725,7 +2725,7 @@
           <p:cNvPr id="6" name="Footer Placeholder 5">
             <a:extLst>
               <a:ext uri="{FF2B5EF4-FFF2-40B4-BE49-F238E27FC236}">
-                <a16:creationId xmlns:a16="http://schemas.microsoft.com/office/drawing/2014/main" xmlns="" id="{DAFB5CF2-05E5-DE46-AD28-692F9DB71694}"/>
+                <a16:creationId xmlns="" xmlns:a16="http://schemas.microsoft.com/office/drawing/2014/main" id="{DAFB5CF2-05E5-DE46-AD28-692F9DB71694}"/>
               </a:ext>
             </a:extLst>
           </p:cNvPr>
@@ -2750,7 +2750,7 @@
           <p:cNvPr id="7" name="Slide Number Placeholder 6">
             <a:extLst>
               <a:ext uri="{FF2B5EF4-FFF2-40B4-BE49-F238E27FC236}">
-                <a16:creationId xmlns:a16="http://schemas.microsoft.com/office/drawing/2014/main" xmlns="" id="{F4A14854-AFC5-2349-BC93-AD9DF51264F9}"/>
+                <a16:creationId xmlns="" xmlns:a16="http://schemas.microsoft.com/office/drawing/2014/main" id="{F4A14854-AFC5-2349-BC93-AD9DF51264F9}"/>
               </a:ext>
             </a:extLst>
           </p:cNvPr>
@@ -2814,7 +2814,7 @@
           <p:cNvPr id="2" name="Title Placeholder 1">
             <a:extLst>
               <a:ext uri="{FF2B5EF4-FFF2-40B4-BE49-F238E27FC236}">
-                <a16:creationId xmlns:a16="http://schemas.microsoft.com/office/drawing/2014/main" xmlns="" id="{D5D3905A-E05F-754C-8F9F-A8D1000A32B7}"/>
+                <a16:creationId xmlns="" xmlns:a16="http://schemas.microsoft.com/office/drawing/2014/main" id="{D5D3905A-E05F-754C-8F9F-A8D1000A32B7}"/>
               </a:ext>
             </a:extLst>
           </p:cNvPr>
@@ -2852,7 +2852,7 @@
           <p:cNvPr id="3" name="Text Placeholder 2">
             <a:extLst>
               <a:ext uri="{FF2B5EF4-FFF2-40B4-BE49-F238E27FC236}">
-                <a16:creationId xmlns:a16="http://schemas.microsoft.com/office/drawing/2014/main" xmlns="" id="{E880757D-7D59-B74F-B2FA-F4236D6F71DC}"/>
+                <a16:creationId xmlns="" xmlns:a16="http://schemas.microsoft.com/office/drawing/2014/main" id="{E880757D-7D59-B74F-B2FA-F4236D6F71DC}"/>
               </a:ext>
             </a:extLst>
           </p:cNvPr>
@@ -2919,7 +2919,7 @@
           <p:cNvPr id="4" name="Date Placeholder 3">
             <a:extLst>
               <a:ext uri="{FF2B5EF4-FFF2-40B4-BE49-F238E27FC236}">
-                <a16:creationId xmlns:a16="http://schemas.microsoft.com/office/drawing/2014/main" xmlns="" id="{3B729EBB-89B5-F042-AECF-884D5A5ABB0F}"/>
+                <a16:creationId xmlns="" xmlns:a16="http://schemas.microsoft.com/office/drawing/2014/main" id="{3B729EBB-89B5-F042-AECF-884D5A5ABB0F}"/>
               </a:ext>
             </a:extLst>
           </p:cNvPr>
@@ -2966,7 +2966,7 @@
           <p:cNvPr id="5" name="Footer Placeholder 4">
             <a:extLst>
               <a:ext uri="{FF2B5EF4-FFF2-40B4-BE49-F238E27FC236}">
-                <a16:creationId xmlns:a16="http://schemas.microsoft.com/office/drawing/2014/main" xmlns="" id="{66FA4430-3170-3C4D-A968-03CE0D4A8B31}"/>
+                <a16:creationId xmlns="" xmlns:a16="http://schemas.microsoft.com/office/drawing/2014/main" id="{66FA4430-3170-3C4D-A968-03CE0D4A8B31}"/>
               </a:ext>
             </a:extLst>
           </p:cNvPr>
@@ -3009,7 +3009,7 @@
           <p:cNvPr id="6" name="Slide Number Placeholder 5">
             <a:extLst>
               <a:ext uri="{FF2B5EF4-FFF2-40B4-BE49-F238E27FC236}">
-                <a16:creationId xmlns:a16="http://schemas.microsoft.com/office/drawing/2014/main" xmlns="" id="{C8C085EA-4CCE-EE49-A933-CFF5955BDB33}"/>
+                <a16:creationId xmlns="" xmlns:a16="http://schemas.microsoft.com/office/drawing/2014/main" id="{C8C085EA-4CCE-EE49-A933-CFF5955BDB33}"/>
               </a:ext>
             </a:extLst>
           </p:cNvPr>
@@ -3387,7 +3387,7 @@
           <p:cNvPr id="6" name="Picture 5">
             <a:extLst>
               <a:ext uri="{FF2B5EF4-FFF2-40B4-BE49-F238E27FC236}">
-                <a16:creationId xmlns:a16="http://schemas.microsoft.com/office/drawing/2014/main" xmlns="" id="{841DC996-1A4B-4D4F-A733-3A00E5ABC2BB}"/>
+                <a16:creationId xmlns="" xmlns:a16="http://schemas.microsoft.com/office/drawing/2014/main" id="{841DC996-1A4B-4D4F-A733-3A00E5ABC2BB}"/>
               </a:ext>
             </a:extLst>
           </p:cNvPr>
@@ -3423,7 +3423,7 @@
           <p:cNvPr id="4" name="TextBox 10">
             <a:extLst>
               <a:ext uri="{FF2B5EF4-FFF2-40B4-BE49-F238E27FC236}">
-                <a16:creationId xmlns:a16="http://schemas.microsoft.com/office/drawing/2014/main" xmlns="" id="{00CC22B5-8500-2C45-91DE-A596A6DF1C3B}"/>
+                <a16:creationId xmlns="" xmlns:a16="http://schemas.microsoft.com/office/drawing/2014/main" id="{00CC22B5-8500-2C45-91DE-A596A6DF1C3B}"/>
               </a:ext>
             </a:extLst>
           </p:cNvPr>
@@ -3433,7 +3433,7 @@
         <p:spPr>
           <a:xfrm>
             <a:off x="91441" y="1031624"/>
-            <a:ext cx="12192000" cy="5509200"/>
+            <a:ext cx="12192000" cy="5663089"/>
           </a:xfrm>
           <a:prstGeom prst="rect">
             <a:avLst/>
@@ -3464,79 +3464,208 @@
                   <a:srgbClr val="FF6600"/>
                 </a:solidFill>
               </a:rPr>
-              <a:t>                   Classification</a:t>
-            </a:r>
-            <a:endParaRPr lang="en-US" sz="6600" dirty="0" smtClean="0">
+              <a:t>                   </a:t>
+            </a:r>
+            <a:r>
+              <a:rPr lang="en-IE" sz="6600" dirty="0" smtClean="0">
+                <a:solidFill>
+                  <a:srgbClr val="FF6600"/>
+                </a:solidFill>
+              </a:rPr>
+              <a:t>Classification</a:t>
+            </a:r>
+            <a:endParaRPr lang="en-US" sz="4000" dirty="0" smtClean="0"/>
+          </a:p>
+          <a:p>
+            <a:endParaRPr lang="en-US" sz="2300" b="1" dirty="0" smtClean="0"/>
+          </a:p>
+          <a:p>
+            <a:r>
+              <a:rPr lang="en-US" sz="2300" b="1" dirty="0" smtClean="0">
+                <a:solidFill>
+                  <a:schemeClr val="bg1">
+                    <a:lumMod val="75000"/>
+                  </a:schemeClr>
+                </a:solidFill>
+              </a:rPr>
+              <a:t>Name</a:t>
+            </a:r>
+            <a:r>
+              <a:rPr lang="en-US" sz="2300" b="1" dirty="0" smtClean="0">
+                <a:solidFill>
+                  <a:schemeClr val="bg1">
+                    <a:lumMod val="75000"/>
+                  </a:schemeClr>
+                </a:solidFill>
+              </a:rPr>
+              <a:t>: Igor </a:t>
+            </a:r>
+            <a:r>
+              <a:rPr lang="en-US" sz="2300" b="1" dirty="0" err="1" smtClean="0">
+                <a:solidFill>
+                  <a:schemeClr val="bg1">
+                    <a:lumMod val="75000"/>
+                  </a:schemeClr>
+                </a:solidFill>
+              </a:rPr>
+              <a:t>Azevedo</a:t>
+            </a:r>
+            <a:r>
+              <a:rPr lang="en-US" sz="2300" b="1" dirty="0" smtClean="0">
+                <a:solidFill>
+                  <a:schemeClr val="bg1">
+                    <a:lumMod val="75000"/>
+                  </a:schemeClr>
+                </a:solidFill>
+              </a:rPr>
+              <a:t> de </a:t>
+            </a:r>
+            <a:r>
+              <a:rPr lang="en-US" sz="2300" b="1" dirty="0" err="1" smtClean="0">
+                <a:solidFill>
+                  <a:schemeClr val="bg1">
+                    <a:lumMod val="75000"/>
+                  </a:schemeClr>
+                </a:solidFill>
+              </a:rPr>
+              <a:t>Queiroz</a:t>
+            </a:r>
+            <a:endParaRPr lang="en-US" sz="2300" b="1" dirty="0" smtClean="0">
               <a:solidFill>
-                <a:srgbClr val="FF6600"/>
+                <a:schemeClr val="bg1">
+                  <a:lumMod val="75000"/>
+                </a:schemeClr>
               </a:solidFill>
             </a:endParaRPr>
           </a:p>
           <a:p>
-            <a:endParaRPr lang="en-US" sz="4000" dirty="0" smtClean="0"/>
-          </a:p>
-          <a:p>
-            <a:r>
-              <a:rPr lang="en-US" sz="2900" b="1" dirty="0" smtClean="0"/>
-              <a:t>Name: Igor </a:t>
-            </a:r>
-            <a:r>
-              <a:rPr lang="en-US" sz="2900" b="1" dirty="0" err="1" smtClean="0"/>
-              <a:t>Azevedo</a:t>
-            </a:r>
-            <a:r>
-              <a:rPr lang="en-US" sz="2900" b="1" dirty="0" smtClean="0"/>
-              <a:t> de </a:t>
-            </a:r>
-            <a:r>
-              <a:rPr lang="en-US" sz="2900" b="1" dirty="0" err="1" smtClean="0"/>
-              <a:t>Queiroz</a:t>
-            </a:r>
-            <a:endParaRPr lang="en-US" sz="2900" b="1" dirty="0" smtClean="0"/>
-          </a:p>
-          <a:p>
-            <a:r>
-              <a:rPr lang="en-US" sz="2900" b="1" dirty="0" smtClean="0"/>
+            <a:r>
+              <a:rPr lang="en-US" sz="2300" b="1" dirty="0" smtClean="0">
+                <a:solidFill>
+                  <a:schemeClr val="bg1">
+                    <a:lumMod val="75000"/>
+                  </a:schemeClr>
+                </a:solidFill>
+              </a:rPr>
               <a:t>E-mail: </a:t>
             </a:r>
             <a:r>
-              <a:rPr lang="en-US" sz="2900" b="1" dirty="0" smtClean="0">
+              <a:rPr lang="en-US" sz="2300" b="1" dirty="0" smtClean="0">
+                <a:solidFill>
+                  <a:schemeClr val="bg1">
+                    <a:lumMod val="75000"/>
+                  </a:schemeClr>
+                </a:solidFill>
                 <a:hlinkClick r:id="rId3"/>
               </a:rPr>
               <a:t>igor_queiroz17</a:t>
             </a:r>
             <a:r>
-              <a:rPr lang="en-IE" sz="2900" b="1" dirty="0" smtClean="0">
+              <a:rPr lang="en-IE" sz="2300" b="1" dirty="0" smtClean="0">
+                <a:solidFill>
+                  <a:schemeClr val="bg1">
+                    <a:lumMod val="75000"/>
+                  </a:schemeClr>
+                </a:solidFill>
                 <a:hlinkClick r:id="rId3"/>
               </a:rPr>
               <a:t>@yahoo.com.br</a:t>
             </a:r>
-            <a:endParaRPr lang="en-IE" sz="2900" b="1" dirty="0" smtClean="0"/>
-          </a:p>
-          <a:p>
-            <a:r>
-              <a:rPr lang="en-IE" sz="2900" b="1" dirty="0" smtClean="0"/>
+            <a:endParaRPr lang="en-IE" sz="2300" b="1" dirty="0" smtClean="0">
+              <a:solidFill>
+                <a:schemeClr val="bg1">
+                  <a:lumMod val="75000"/>
+                </a:schemeClr>
+              </a:solidFill>
+            </a:endParaRPr>
+          </a:p>
+          <a:p>
+            <a:r>
+              <a:rPr lang="en-IE" sz="2300" b="1" dirty="0" smtClean="0">
+                <a:solidFill>
+                  <a:schemeClr val="bg1">
+                    <a:lumMod val="75000"/>
+                  </a:schemeClr>
+                </a:solidFill>
+              </a:rPr>
               <a:t>Country: Ireland</a:t>
             </a:r>
           </a:p>
           <a:p>
             <a:r>
-              <a:rPr lang="en-IE" sz="2900" b="1" dirty="0" smtClean="0"/>
+              <a:rPr lang="en-IE" sz="2300" b="1" dirty="0" smtClean="0">
+                <a:solidFill>
+                  <a:schemeClr val="bg1">
+                    <a:lumMod val="75000"/>
+                  </a:schemeClr>
+                </a:solidFill>
+              </a:rPr>
               <a:t>College: Dublin Business School</a:t>
             </a:r>
           </a:p>
           <a:p>
             <a:r>
-              <a:rPr lang="en-IE" sz="2900" b="1" dirty="0" smtClean="0"/>
+              <a:rPr lang="en-IE" sz="2300" b="1" dirty="0" smtClean="0">
+                <a:solidFill>
+                  <a:schemeClr val="bg1">
+                    <a:lumMod val="75000"/>
+                  </a:schemeClr>
+                </a:solidFill>
+              </a:rPr>
               <a:t>Specialization: Data Science</a:t>
             </a:r>
           </a:p>
           <a:p>
             <a:r>
-              <a:rPr lang="en-IE" sz="2900" b="1" dirty="0" smtClean="0"/>
-              <a:t>Date: 30/09/2021</a:t>
-            </a:r>
-            <a:endParaRPr lang="en-US" sz="2900" b="1" dirty="0"/>
+              <a:rPr lang="en-IE" sz="2300" b="1" dirty="0" smtClean="0">
+                <a:solidFill>
+                  <a:schemeClr val="bg1">
+                    <a:lumMod val="75000"/>
+                  </a:schemeClr>
+                </a:solidFill>
+              </a:rPr>
+              <a:t>Date: </a:t>
+            </a:r>
+            <a:r>
+              <a:rPr lang="en-IE" sz="2300" b="1" dirty="0" smtClean="0">
+                <a:solidFill>
+                  <a:schemeClr val="bg1">
+                    <a:lumMod val="75000"/>
+                  </a:schemeClr>
+                </a:solidFill>
+              </a:rPr>
+              <a:t>30/09/2021</a:t>
+            </a:r>
+          </a:p>
+          <a:p>
+            <a:r>
+              <a:rPr lang="en-IE" sz="2300" b="1" dirty="0">
+                <a:solidFill>
+                  <a:schemeClr val="bg1">
+                    <a:lumMod val="75000"/>
+                  </a:schemeClr>
+                </a:solidFill>
+              </a:rPr>
+              <a:t>GitHub Link: </a:t>
+            </a:r>
+            <a:r>
+              <a:rPr lang="en-IE" sz="2300" b="1" dirty="0">
+                <a:solidFill>
+                  <a:schemeClr val="bg1">
+                    <a:lumMod val="75000"/>
+                  </a:schemeClr>
+                </a:solidFill>
+                <a:hlinkClick r:id="rId4" action="ppaction://hlinkpres?slideindex=1&amp;slidetitle="/>
+              </a:rPr>
+              <a:t>https://github.com/IgorQueiroz32/Data-Science-Healthcare---Persistency-of-a-Drug-Classification/blob/main/week%2011/Healthcare%20Persistency%20of%20a%20Drug%20Classification.pdf</a:t>
+            </a:r>
+            <a:endParaRPr lang="en-US" sz="2300" b="1" dirty="0">
+              <a:solidFill>
+                <a:schemeClr val="bg1">
+                  <a:lumMod val="75000"/>
+                </a:schemeClr>
+              </a:solidFill>
+            </a:endParaRPr>
           </a:p>
         </p:txBody>
       </p:sp>
@@ -3582,7 +3711,7 @@
           <p:cNvPr id="5" name="Rectangle 4">
             <a:extLst>
               <a:ext uri="{FF2B5EF4-FFF2-40B4-BE49-F238E27FC236}">
-                <a16:creationId xmlns:a16="http://schemas.microsoft.com/office/drawing/2014/main" xmlns="" id="{8B714281-3974-8549-B509-9AD67893AA9A}"/>
+                <a16:creationId xmlns="" xmlns:a16="http://schemas.microsoft.com/office/drawing/2014/main" id="{8B714281-3974-8549-B509-9AD67893AA9A}"/>
               </a:ext>
             </a:extLst>
           </p:cNvPr>
@@ -3657,7 +3786,7 @@
           <p:cNvPr id="10" name="Rectangle 4">
             <a:extLst>
               <a:ext uri="{FF2B5EF4-FFF2-40B4-BE49-F238E27FC236}">
-                <a16:creationId xmlns:a16="http://schemas.microsoft.com/office/drawing/2014/main" xmlns="" id="{8B714281-3974-8549-B509-9AD67893AA9A}"/>
+                <a16:creationId xmlns="" xmlns:a16="http://schemas.microsoft.com/office/drawing/2014/main" id="{8B714281-3974-8549-B509-9AD67893AA9A}"/>
               </a:ext>
             </a:extLst>
           </p:cNvPr>
@@ -3732,7 +3861,7 @@
           <p:cNvPr id="11" name="TextBox 3">
             <a:extLst>
               <a:ext uri="{FF2B5EF4-FFF2-40B4-BE49-F238E27FC236}">
-                <a16:creationId xmlns:a16="http://schemas.microsoft.com/office/drawing/2014/main" xmlns="" id="{09BEE7A3-F2C2-8145-B852-24B96B83A958}"/>
+                <a16:creationId xmlns="" xmlns:a16="http://schemas.microsoft.com/office/drawing/2014/main" id="{09BEE7A3-F2C2-8145-B852-24B96B83A958}"/>
               </a:ext>
             </a:extLst>
           </p:cNvPr>
@@ -3884,7 +4013,7 @@
           <p:cNvPr id="5" name="Rectangle 4">
             <a:extLst>
               <a:ext uri="{FF2B5EF4-FFF2-40B4-BE49-F238E27FC236}">
-                <a16:creationId xmlns:a16="http://schemas.microsoft.com/office/drawing/2014/main" xmlns="" id="{8B714281-3974-8549-B509-9AD67893AA9A}"/>
+                <a16:creationId xmlns="" xmlns:a16="http://schemas.microsoft.com/office/drawing/2014/main" id="{8B714281-3974-8549-B509-9AD67893AA9A}"/>
               </a:ext>
             </a:extLst>
           </p:cNvPr>
@@ -3969,7 +4098,7 @@
           <p:cNvPr id="6" name="TextBox 3">
             <a:extLst>
               <a:ext uri="{FF2B5EF4-FFF2-40B4-BE49-F238E27FC236}">
-                <a16:creationId xmlns:a16="http://schemas.microsoft.com/office/drawing/2014/main" xmlns="" id="{09BEE7A3-F2C2-8145-B852-24B96B83A958}"/>
+                <a16:creationId xmlns="" xmlns:a16="http://schemas.microsoft.com/office/drawing/2014/main" id="{09BEE7A3-F2C2-8145-B852-24B96B83A958}"/>
               </a:ext>
             </a:extLst>
           </p:cNvPr>
@@ -4019,7 +4148,7 @@
           <p:cNvPr id="7" name="Rectangle 4">
             <a:extLst>
               <a:ext uri="{FF2B5EF4-FFF2-40B4-BE49-F238E27FC236}">
-                <a16:creationId xmlns:a16="http://schemas.microsoft.com/office/drawing/2014/main" xmlns="" id="{8B714281-3974-8549-B509-9AD67893AA9A}"/>
+                <a16:creationId xmlns="" xmlns:a16="http://schemas.microsoft.com/office/drawing/2014/main" id="{8B714281-3974-8549-B509-9AD67893AA9A}"/>
               </a:ext>
             </a:extLst>
           </p:cNvPr>
@@ -4094,7 +4223,7 @@
           <p:cNvPr id="8" name="TextBox 3">
             <a:extLst>
               <a:ext uri="{FF2B5EF4-FFF2-40B4-BE49-F238E27FC236}">
-                <a16:creationId xmlns:a16="http://schemas.microsoft.com/office/drawing/2014/main" xmlns="" id="{09BEE7A3-F2C2-8145-B852-24B96B83A958}"/>
+                <a16:creationId xmlns="" xmlns:a16="http://schemas.microsoft.com/office/drawing/2014/main" id="{09BEE7A3-F2C2-8145-B852-24B96B83A958}"/>
               </a:ext>
             </a:extLst>
           </p:cNvPr>
@@ -4256,7 +4385,7 @@
           <p:cNvPr id="5" name="Rectangle 4">
             <a:extLst>
               <a:ext uri="{FF2B5EF4-FFF2-40B4-BE49-F238E27FC236}">
-                <a16:creationId xmlns:a16="http://schemas.microsoft.com/office/drawing/2014/main" xmlns="" id="{8B714281-3974-8549-B509-9AD67893AA9A}"/>
+                <a16:creationId xmlns="" xmlns:a16="http://schemas.microsoft.com/office/drawing/2014/main" id="{8B714281-3974-8549-B509-9AD67893AA9A}"/>
               </a:ext>
             </a:extLst>
           </p:cNvPr>
@@ -4331,7 +4460,7 @@
           <p:cNvPr id="6" name="TextBox 3">
             <a:extLst>
               <a:ext uri="{FF2B5EF4-FFF2-40B4-BE49-F238E27FC236}">
-                <a16:creationId xmlns:a16="http://schemas.microsoft.com/office/drawing/2014/main" xmlns="" id="{09BEE7A3-F2C2-8145-B852-24B96B83A958}"/>
+                <a16:creationId xmlns="" xmlns:a16="http://schemas.microsoft.com/office/drawing/2014/main" id="{09BEE7A3-F2C2-8145-B852-24B96B83A958}"/>
               </a:ext>
             </a:extLst>
           </p:cNvPr>
@@ -4513,7 +4642,7 @@
           <p:cNvPr id="5" name="Rectangle 4">
             <a:extLst>
               <a:ext uri="{FF2B5EF4-FFF2-40B4-BE49-F238E27FC236}">
-                <a16:creationId xmlns:a16="http://schemas.microsoft.com/office/drawing/2014/main" xmlns="" id="{8B714281-3974-8549-B509-9AD67893AA9A}"/>
+                <a16:creationId xmlns="" xmlns:a16="http://schemas.microsoft.com/office/drawing/2014/main" id="{8B714281-3974-8549-B509-9AD67893AA9A}"/>
               </a:ext>
             </a:extLst>
           </p:cNvPr>
@@ -4588,7 +4717,7 @@
           <p:cNvPr id="7" name="TextBox 3">
             <a:extLst>
               <a:ext uri="{FF2B5EF4-FFF2-40B4-BE49-F238E27FC236}">
-                <a16:creationId xmlns:a16="http://schemas.microsoft.com/office/drawing/2014/main" xmlns="" id="{09BEE7A3-F2C2-8145-B852-24B96B83A958}"/>
+                <a16:creationId xmlns="" xmlns:a16="http://schemas.microsoft.com/office/drawing/2014/main" id="{09BEE7A3-F2C2-8145-B852-24B96B83A958}"/>
               </a:ext>
             </a:extLst>
           </p:cNvPr>
@@ -4777,7 +4906,7 @@
           <p:cNvPr id="5" name="Rectangle 4">
             <a:extLst>
               <a:ext uri="{FF2B5EF4-FFF2-40B4-BE49-F238E27FC236}">
-                <a16:creationId xmlns:a16="http://schemas.microsoft.com/office/drawing/2014/main" xmlns="" id="{8B714281-3974-8549-B509-9AD67893AA9A}"/>
+                <a16:creationId xmlns="" xmlns:a16="http://schemas.microsoft.com/office/drawing/2014/main" id="{8B714281-3974-8549-B509-9AD67893AA9A}"/>
               </a:ext>
             </a:extLst>
           </p:cNvPr>
@@ -4852,7 +4981,7 @@
           <p:cNvPr id="6" name="TextBox 3">
             <a:extLst>
               <a:ext uri="{FF2B5EF4-FFF2-40B4-BE49-F238E27FC236}">
-                <a16:creationId xmlns:a16="http://schemas.microsoft.com/office/drawing/2014/main" xmlns="" id="{09BEE7A3-F2C2-8145-B852-24B96B83A958}"/>
+                <a16:creationId xmlns="" xmlns:a16="http://schemas.microsoft.com/office/drawing/2014/main" id="{09BEE7A3-F2C2-8145-B852-24B96B83A958}"/>
               </a:ext>
             </a:extLst>
           </p:cNvPr>
@@ -5016,7 +5145,7 @@
           <p:cNvPr id="5" name="Rectangle 4">
             <a:extLst>
               <a:ext uri="{FF2B5EF4-FFF2-40B4-BE49-F238E27FC236}">
-                <a16:creationId xmlns:a16="http://schemas.microsoft.com/office/drawing/2014/main" xmlns="" id="{8B714281-3974-8549-B509-9AD67893AA9A}"/>
+                <a16:creationId xmlns="" xmlns:a16="http://schemas.microsoft.com/office/drawing/2014/main" id="{8B714281-3974-8549-B509-9AD67893AA9A}"/>
               </a:ext>
             </a:extLst>
           </p:cNvPr>
@@ -5091,7 +5220,7 @@
           <p:cNvPr id="6" name="TextBox 3">
             <a:extLst>
               <a:ext uri="{FF2B5EF4-FFF2-40B4-BE49-F238E27FC236}">
-                <a16:creationId xmlns:a16="http://schemas.microsoft.com/office/drawing/2014/main" xmlns="" id="{09BEE7A3-F2C2-8145-B852-24B96B83A958}"/>
+                <a16:creationId xmlns="" xmlns:a16="http://schemas.microsoft.com/office/drawing/2014/main" id="{09BEE7A3-F2C2-8145-B852-24B96B83A958}"/>
               </a:ext>
             </a:extLst>
           </p:cNvPr>
@@ -5301,7 +5430,7 @@
           <p:cNvPr id="5" name="Rectangle 4">
             <a:extLst>
               <a:ext uri="{FF2B5EF4-FFF2-40B4-BE49-F238E27FC236}">
-                <a16:creationId xmlns:a16="http://schemas.microsoft.com/office/drawing/2014/main" xmlns="" id="{8B714281-3974-8549-B509-9AD67893AA9A}"/>
+                <a16:creationId xmlns="" xmlns:a16="http://schemas.microsoft.com/office/drawing/2014/main" id="{8B714281-3974-8549-B509-9AD67893AA9A}"/>
               </a:ext>
             </a:extLst>
           </p:cNvPr>
@@ -5376,7 +5505,7 @@
           <p:cNvPr id="6" name="TextBox 3">
             <a:extLst>
               <a:ext uri="{FF2B5EF4-FFF2-40B4-BE49-F238E27FC236}">
-                <a16:creationId xmlns:a16="http://schemas.microsoft.com/office/drawing/2014/main" xmlns="" id="{09BEE7A3-F2C2-8145-B852-24B96B83A958}"/>
+                <a16:creationId xmlns="" xmlns:a16="http://schemas.microsoft.com/office/drawing/2014/main" id="{09BEE7A3-F2C2-8145-B852-24B96B83A958}"/>
               </a:ext>
             </a:extLst>
           </p:cNvPr>
@@ -5454,7 +5583,7 @@
           <p:cNvPr id="5" name="Rectangle 4">
             <a:extLst>
               <a:ext uri="{FF2B5EF4-FFF2-40B4-BE49-F238E27FC236}">
-                <a16:creationId xmlns:a16="http://schemas.microsoft.com/office/drawing/2014/main" xmlns="" id="{8B714281-3974-8549-B509-9AD67893AA9A}"/>
+                <a16:creationId xmlns="" xmlns:a16="http://schemas.microsoft.com/office/drawing/2014/main" id="{8B714281-3974-8549-B509-9AD67893AA9A}"/>
               </a:ext>
             </a:extLst>
           </p:cNvPr>
@@ -5529,7 +5658,7 @@
           <p:cNvPr id="6" name="TextBox 3">
             <a:extLst>
               <a:ext uri="{FF2B5EF4-FFF2-40B4-BE49-F238E27FC236}">
-                <a16:creationId xmlns:a16="http://schemas.microsoft.com/office/drawing/2014/main" xmlns="" id="{09BEE7A3-F2C2-8145-B852-24B96B83A958}"/>
+                <a16:creationId xmlns="" xmlns:a16="http://schemas.microsoft.com/office/drawing/2014/main" id="{09BEE7A3-F2C2-8145-B852-24B96B83A958}"/>
               </a:ext>
             </a:extLst>
           </p:cNvPr>
@@ -5664,7 +5793,7 @@
           <p:cNvPr id="5" name="Rectangle 4">
             <a:extLst>
               <a:ext uri="{FF2B5EF4-FFF2-40B4-BE49-F238E27FC236}">
-                <a16:creationId xmlns:a16="http://schemas.microsoft.com/office/drawing/2014/main" xmlns="" id="{8B714281-3974-8549-B509-9AD67893AA9A}"/>
+                <a16:creationId xmlns="" xmlns:a16="http://schemas.microsoft.com/office/drawing/2014/main" id="{8B714281-3974-8549-B509-9AD67893AA9A}"/>
               </a:ext>
             </a:extLst>
           </p:cNvPr>
@@ -5749,7 +5878,7 @@
           <p:cNvPr id="6" name="TextBox 3">
             <a:extLst>
               <a:ext uri="{FF2B5EF4-FFF2-40B4-BE49-F238E27FC236}">
-                <a16:creationId xmlns:a16="http://schemas.microsoft.com/office/drawing/2014/main" xmlns="" id="{09BEE7A3-F2C2-8145-B852-24B96B83A958}"/>
+                <a16:creationId xmlns="" xmlns:a16="http://schemas.microsoft.com/office/drawing/2014/main" id="{09BEE7A3-F2C2-8145-B852-24B96B83A958}"/>
               </a:ext>
             </a:extLst>
           </p:cNvPr>
@@ -5892,7 +6021,7 @@
           <p:cNvPr id="5" name="Rectangle 4">
             <a:extLst>
               <a:ext uri="{FF2B5EF4-FFF2-40B4-BE49-F238E27FC236}">
-                <a16:creationId xmlns:a16="http://schemas.microsoft.com/office/drawing/2014/main" xmlns="" id="{8B714281-3974-8549-B509-9AD67893AA9A}"/>
+                <a16:creationId xmlns="" xmlns:a16="http://schemas.microsoft.com/office/drawing/2014/main" id="{8B714281-3974-8549-B509-9AD67893AA9A}"/>
               </a:ext>
             </a:extLst>
           </p:cNvPr>
@@ -5994,7 +6123,7 @@
           <p:cNvPr id="6" name="TextBox 3">
             <a:extLst>
               <a:ext uri="{FF2B5EF4-FFF2-40B4-BE49-F238E27FC236}">
-                <a16:creationId xmlns:a16="http://schemas.microsoft.com/office/drawing/2014/main" xmlns="" id="{09BEE7A3-F2C2-8145-B852-24B96B83A958}"/>
+                <a16:creationId xmlns="" xmlns:a16="http://schemas.microsoft.com/office/drawing/2014/main" id="{09BEE7A3-F2C2-8145-B852-24B96B83A958}"/>
               </a:ext>
             </a:extLst>
           </p:cNvPr>
@@ -6145,7 +6274,7 @@
           <p:cNvPr id="3" name="Content Placeholder 2">
             <a:extLst>
               <a:ext uri="{FF2B5EF4-FFF2-40B4-BE49-F238E27FC236}">
-                <a16:creationId xmlns:a16="http://schemas.microsoft.com/office/drawing/2014/main" xmlns="" id="{82C5C5A3-2E84-0849-82EA-36D2326D3784}"/>
+                <a16:creationId xmlns="" xmlns:a16="http://schemas.microsoft.com/office/drawing/2014/main" id="{82C5C5A3-2E84-0849-82EA-36D2326D3784}"/>
               </a:ext>
             </a:extLst>
           </p:cNvPr>
@@ -6229,7 +6358,7 @@
           <p:cNvPr id="4" name="Rectangle 3">
             <a:extLst>
               <a:ext uri="{FF2B5EF4-FFF2-40B4-BE49-F238E27FC236}">
-                <a16:creationId xmlns:a16="http://schemas.microsoft.com/office/drawing/2014/main" xmlns="" id="{DD7B960C-F6E1-AE45-98A6-122DB2A97B5B}"/>
+                <a16:creationId xmlns="" xmlns:a16="http://schemas.microsoft.com/office/drawing/2014/main" id="{DD7B960C-F6E1-AE45-98A6-122DB2A97B5B}"/>
               </a:ext>
             </a:extLst>
           </p:cNvPr>
@@ -6280,7 +6409,7 @@
           <p:cNvPr id="6" name="Title 1">
             <a:extLst>
               <a:ext uri="{FF2B5EF4-FFF2-40B4-BE49-F238E27FC236}">
-                <a16:creationId xmlns:a16="http://schemas.microsoft.com/office/drawing/2014/main" xmlns="" id="{C526CBCB-8ADA-0E48-96D7-11EEE40222DD}"/>
+                <a16:creationId xmlns="" xmlns:a16="http://schemas.microsoft.com/office/drawing/2014/main" id="{C526CBCB-8ADA-0E48-96D7-11EEE40222DD}"/>
               </a:ext>
             </a:extLst>
           </p:cNvPr>
@@ -6365,7 +6494,7 @@
           <p:cNvPr id="5" name="Rectangle 4">
             <a:extLst>
               <a:ext uri="{FF2B5EF4-FFF2-40B4-BE49-F238E27FC236}">
-                <a16:creationId xmlns:a16="http://schemas.microsoft.com/office/drawing/2014/main" xmlns="" id="{8B714281-3974-8549-B509-9AD67893AA9A}"/>
+                <a16:creationId xmlns="" xmlns:a16="http://schemas.microsoft.com/office/drawing/2014/main" id="{8B714281-3974-8549-B509-9AD67893AA9A}"/>
               </a:ext>
             </a:extLst>
           </p:cNvPr>
@@ -6467,7 +6596,7 @@
           <p:cNvPr id="6" name="TextBox 3">
             <a:extLst>
               <a:ext uri="{FF2B5EF4-FFF2-40B4-BE49-F238E27FC236}">
-                <a16:creationId xmlns:a16="http://schemas.microsoft.com/office/drawing/2014/main" xmlns="" id="{09BEE7A3-F2C2-8145-B852-24B96B83A958}"/>
+                <a16:creationId xmlns="" xmlns:a16="http://schemas.microsoft.com/office/drawing/2014/main" id="{09BEE7A3-F2C2-8145-B852-24B96B83A958}"/>
               </a:ext>
             </a:extLst>
           </p:cNvPr>
@@ -6626,7 +6755,7 @@
           <p:cNvPr id="5" name="Rectangle 4">
             <a:extLst>
               <a:ext uri="{FF2B5EF4-FFF2-40B4-BE49-F238E27FC236}">
-                <a16:creationId xmlns:a16="http://schemas.microsoft.com/office/drawing/2014/main" xmlns="" id="{8B714281-3974-8549-B509-9AD67893AA9A}"/>
+                <a16:creationId xmlns="" xmlns:a16="http://schemas.microsoft.com/office/drawing/2014/main" id="{8B714281-3974-8549-B509-9AD67893AA9A}"/>
               </a:ext>
             </a:extLst>
           </p:cNvPr>
@@ -6728,7 +6857,7 @@
           <p:cNvPr id="6" name="TextBox 3">
             <a:extLst>
               <a:ext uri="{FF2B5EF4-FFF2-40B4-BE49-F238E27FC236}">
-                <a16:creationId xmlns:a16="http://schemas.microsoft.com/office/drawing/2014/main" xmlns="" id="{09BEE7A3-F2C2-8145-B852-24B96B83A958}"/>
+                <a16:creationId xmlns="" xmlns:a16="http://schemas.microsoft.com/office/drawing/2014/main" id="{09BEE7A3-F2C2-8145-B852-24B96B83A958}"/>
               </a:ext>
             </a:extLst>
           </p:cNvPr>
@@ -6863,7 +6992,7 @@
           <p:cNvPr id="5" name="Rectangle 4">
             <a:extLst>
               <a:ext uri="{FF2B5EF4-FFF2-40B4-BE49-F238E27FC236}">
-                <a16:creationId xmlns:a16="http://schemas.microsoft.com/office/drawing/2014/main" xmlns="" id="{8B714281-3974-8549-B509-9AD67893AA9A}"/>
+                <a16:creationId xmlns="" xmlns:a16="http://schemas.microsoft.com/office/drawing/2014/main" id="{8B714281-3974-8549-B509-9AD67893AA9A}"/>
               </a:ext>
             </a:extLst>
           </p:cNvPr>
@@ -6965,7 +7094,7 @@
           <p:cNvPr id="6" name="TextBox 3">
             <a:extLst>
               <a:ext uri="{FF2B5EF4-FFF2-40B4-BE49-F238E27FC236}">
-                <a16:creationId xmlns:a16="http://schemas.microsoft.com/office/drawing/2014/main" xmlns="" id="{09BEE7A3-F2C2-8145-B852-24B96B83A958}"/>
+                <a16:creationId xmlns="" xmlns:a16="http://schemas.microsoft.com/office/drawing/2014/main" id="{09BEE7A3-F2C2-8145-B852-24B96B83A958}"/>
               </a:ext>
             </a:extLst>
           </p:cNvPr>
@@ -7116,7 +7245,7 @@
           <p:cNvPr id="5" name="Rectangle 4">
             <a:extLst>
               <a:ext uri="{FF2B5EF4-FFF2-40B4-BE49-F238E27FC236}">
-                <a16:creationId xmlns:a16="http://schemas.microsoft.com/office/drawing/2014/main" xmlns="" id="{8B714281-3974-8549-B509-9AD67893AA9A}"/>
+                <a16:creationId xmlns="" xmlns:a16="http://schemas.microsoft.com/office/drawing/2014/main" id="{8B714281-3974-8549-B509-9AD67893AA9A}"/>
               </a:ext>
             </a:extLst>
           </p:cNvPr>
@@ -7218,7 +7347,7 @@
           <p:cNvPr id="6" name="TextBox 3">
             <a:extLst>
               <a:ext uri="{FF2B5EF4-FFF2-40B4-BE49-F238E27FC236}">
-                <a16:creationId xmlns:a16="http://schemas.microsoft.com/office/drawing/2014/main" xmlns="" id="{09BEE7A3-F2C2-8145-B852-24B96B83A958}"/>
+                <a16:creationId xmlns="" xmlns:a16="http://schemas.microsoft.com/office/drawing/2014/main" id="{09BEE7A3-F2C2-8145-B852-24B96B83A958}"/>
               </a:ext>
             </a:extLst>
           </p:cNvPr>
@@ -7364,7 +7493,7 @@
           <p:cNvPr id="5" name="Rectangle 4">
             <a:extLst>
               <a:ext uri="{FF2B5EF4-FFF2-40B4-BE49-F238E27FC236}">
-                <a16:creationId xmlns:a16="http://schemas.microsoft.com/office/drawing/2014/main" xmlns="" id="{8B714281-3974-8549-B509-9AD67893AA9A}"/>
+                <a16:creationId xmlns="" xmlns:a16="http://schemas.microsoft.com/office/drawing/2014/main" id="{8B714281-3974-8549-B509-9AD67893AA9A}"/>
               </a:ext>
             </a:extLst>
           </p:cNvPr>
@@ -7502,7 +7631,7 @@
           <p:cNvPr id="6" name="TextBox 3">
             <a:extLst>
               <a:ext uri="{FF2B5EF4-FFF2-40B4-BE49-F238E27FC236}">
-                <a16:creationId xmlns:a16="http://schemas.microsoft.com/office/drawing/2014/main" xmlns="" id="{09BEE7A3-F2C2-8145-B852-24B96B83A958}"/>
+                <a16:creationId xmlns="" xmlns:a16="http://schemas.microsoft.com/office/drawing/2014/main" id="{09BEE7A3-F2C2-8145-B852-24B96B83A958}"/>
               </a:ext>
             </a:extLst>
           </p:cNvPr>
@@ -7664,7 +7793,7 @@
           <p:cNvPr id="5" name="Rectangle 4">
             <a:extLst>
               <a:ext uri="{FF2B5EF4-FFF2-40B4-BE49-F238E27FC236}">
-                <a16:creationId xmlns:a16="http://schemas.microsoft.com/office/drawing/2014/main" xmlns="" id="{8B714281-3974-8549-B509-9AD67893AA9A}"/>
+                <a16:creationId xmlns="" xmlns:a16="http://schemas.microsoft.com/office/drawing/2014/main" id="{8B714281-3974-8549-B509-9AD67893AA9A}"/>
               </a:ext>
             </a:extLst>
           </p:cNvPr>
@@ -7766,7 +7895,7 @@
           <p:cNvPr id="6" name="TextBox 3">
             <a:extLst>
               <a:ext uri="{FF2B5EF4-FFF2-40B4-BE49-F238E27FC236}">
-                <a16:creationId xmlns:a16="http://schemas.microsoft.com/office/drawing/2014/main" xmlns="" id="{09BEE7A3-F2C2-8145-B852-24B96B83A958}"/>
+                <a16:creationId xmlns="" xmlns:a16="http://schemas.microsoft.com/office/drawing/2014/main" id="{09BEE7A3-F2C2-8145-B852-24B96B83A958}"/>
               </a:ext>
             </a:extLst>
           </p:cNvPr>
@@ -7912,7 +8041,7 @@
           <p:cNvPr id="5" name="Rectangle 4">
             <a:extLst>
               <a:ext uri="{FF2B5EF4-FFF2-40B4-BE49-F238E27FC236}">
-                <a16:creationId xmlns:a16="http://schemas.microsoft.com/office/drawing/2014/main" xmlns="" id="{8B714281-3974-8549-B509-9AD67893AA9A}"/>
+                <a16:creationId xmlns="" xmlns:a16="http://schemas.microsoft.com/office/drawing/2014/main" id="{8B714281-3974-8549-B509-9AD67893AA9A}"/>
               </a:ext>
             </a:extLst>
           </p:cNvPr>
@@ -8032,7 +8161,7 @@
           <p:cNvPr id="6" name="TextBox 3">
             <a:extLst>
               <a:ext uri="{FF2B5EF4-FFF2-40B4-BE49-F238E27FC236}">
-                <a16:creationId xmlns:a16="http://schemas.microsoft.com/office/drawing/2014/main" xmlns="" id="{09BEE7A3-F2C2-8145-B852-24B96B83A958}"/>
+                <a16:creationId xmlns="" xmlns:a16="http://schemas.microsoft.com/office/drawing/2014/main" id="{09BEE7A3-F2C2-8145-B852-24B96B83A958}"/>
               </a:ext>
             </a:extLst>
           </p:cNvPr>
@@ -8178,7 +8307,7 @@
           <p:cNvPr id="5" name="Rectangle 4">
             <a:extLst>
               <a:ext uri="{FF2B5EF4-FFF2-40B4-BE49-F238E27FC236}">
-                <a16:creationId xmlns:a16="http://schemas.microsoft.com/office/drawing/2014/main" xmlns="" id="{8B714281-3974-8549-B509-9AD67893AA9A}"/>
+                <a16:creationId xmlns="" xmlns:a16="http://schemas.microsoft.com/office/drawing/2014/main" id="{8B714281-3974-8549-B509-9AD67893AA9A}"/>
               </a:ext>
             </a:extLst>
           </p:cNvPr>
@@ -8261,7 +8390,7 @@
           <p:cNvPr id="6" name="TextBox 3">
             <a:extLst>
               <a:ext uri="{FF2B5EF4-FFF2-40B4-BE49-F238E27FC236}">
-                <a16:creationId xmlns:a16="http://schemas.microsoft.com/office/drawing/2014/main" xmlns="" id="{09BEE7A3-F2C2-8145-B852-24B96B83A958}"/>
+                <a16:creationId xmlns="" xmlns:a16="http://schemas.microsoft.com/office/drawing/2014/main" id="{09BEE7A3-F2C2-8145-B852-24B96B83A958}"/>
               </a:ext>
             </a:extLst>
           </p:cNvPr>
@@ -8407,7 +8536,7 @@
           <p:cNvPr id="5" name="Rectangle 4">
             <a:extLst>
               <a:ext uri="{FF2B5EF4-FFF2-40B4-BE49-F238E27FC236}">
-                <a16:creationId xmlns:a16="http://schemas.microsoft.com/office/drawing/2014/main" xmlns="" id="{8B714281-3974-8549-B509-9AD67893AA9A}"/>
+                <a16:creationId xmlns="" xmlns:a16="http://schemas.microsoft.com/office/drawing/2014/main" id="{8B714281-3974-8549-B509-9AD67893AA9A}"/>
               </a:ext>
             </a:extLst>
           </p:cNvPr>
@@ -8490,7 +8619,7 @@
           <p:cNvPr id="6" name="TextBox 3">
             <a:extLst>
               <a:ext uri="{FF2B5EF4-FFF2-40B4-BE49-F238E27FC236}">
-                <a16:creationId xmlns:a16="http://schemas.microsoft.com/office/drawing/2014/main" xmlns="" id="{09BEE7A3-F2C2-8145-B852-24B96B83A958}"/>
+                <a16:creationId xmlns="" xmlns:a16="http://schemas.microsoft.com/office/drawing/2014/main" id="{09BEE7A3-F2C2-8145-B852-24B96B83A958}"/>
               </a:ext>
             </a:extLst>
           </p:cNvPr>
@@ -8636,7 +8765,7 @@
           <p:cNvPr id="5" name="Rectangle 4">
             <a:extLst>
               <a:ext uri="{FF2B5EF4-FFF2-40B4-BE49-F238E27FC236}">
-                <a16:creationId xmlns:a16="http://schemas.microsoft.com/office/drawing/2014/main" xmlns="" id="{8B714281-3974-8549-B509-9AD67893AA9A}"/>
+                <a16:creationId xmlns="" xmlns:a16="http://schemas.microsoft.com/office/drawing/2014/main" id="{8B714281-3974-8549-B509-9AD67893AA9A}"/>
               </a:ext>
             </a:extLst>
           </p:cNvPr>
@@ -8728,7 +8857,7 @@
           <p:cNvPr id="6" name="TextBox 3">
             <a:extLst>
               <a:ext uri="{FF2B5EF4-FFF2-40B4-BE49-F238E27FC236}">
-                <a16:creationId xmlns:a16="http://schemas.microsoft.com/office/drawing/2014/main" xmlns="" id="{09BEE7A3-F2C2-8145-B852-24B96B83A958}"/>
+                <a16:creationId xmlns="" xmlns:a16="http://schemas.microsoft.com/office/drawing/2014/main" id="{09BEE7A3-F2C2-8145-B852-24B96B83A958}"/>
               </a:ext>
             </a:extLst>
           </p:cNvPr>
@@ -8866,7 +8995,7 @@
           <p:cNvPr id="3" name="Content Placeholder 2">
             <a:extLst>
               <a:ext uri="{FF2B5EF4-FFF2-40B4-BE49-F238E27FC236}">
-                <a16:creationId xmlns:a16="http://schemas.microsoft.com/office/drawing/2014/main" xmlns="" id="{82C5C5A3-2E84-0849-82EA-36D2326D3784}"/>
+                <a16:creationId xmlns="" xmlns:a16="http://schemas.microsoft.com/office/drawing/2014/main" id="{82C5C5A3-2E84-0849-82EA-36D2326D3784}"/>
               </a:ext>
             </a:extLst>
           </p:cNvPr>
@@ -8914,7 +9043,7 @@
           <p:cNvPr id="4" name="Rectangle 3">
             <a:extLst>
               <a:ext uri="{FF2B5EF4-FFF2-40B4-BE49-F238E27FC236}">
-                <a16:creationId xmlns:a16="http://schemas.microsoft.com/office/drawing/2014/main" xmlns="" id="{DD7B960C-F6E1-AE45-98A6-122DB2A97B5B}"/>
+                <a16:creationId xmlns="" xmlns:a16="http://schemas.microsoft.com/office/drawing/2014/main" id="{DD7B960C-F6E1-AE45-98A6-122DB2A97B5B}"/>
               </a:ext>
             </a:extLst>
           </p:cNvPr>
@@ -8965,7 +9094,7 @@
           <p:cNvPr id="6" name="Title 1">
             <a:extLst>
               <a:ext uri="{FF2B5EF4-FFF2-40B4-BE49-F238E27FC236}">
-                <a16:creationId xmlns:a16="http://schemas.microsoft.com/office/drawing/2014/main" xmlns="" id="{C526CBCB-8ADA-0E48-96D7-11EEE40222DD}"/>
+                <a16:creationId xmlns="" xmlns:a16="http://schemas.microsoft.com/office/drawing/2014/main" id="{C526CBCB-8ADA-0E48-96D7-11EEE40222DD}"/>
               </a:ext>
             </a:extLst>
           </p:cNvPr>
@@ -9050,7 +9179,7 @@
           <p:cNvPr id="5" name="Rectangle 4">
             <a:extLst>
               <a:ext uri="{FF2B5EF4-FFF2-40B4-BE49-F238E27FC236}">
-                <a16:creationId xmlns:a16="http://schemas.microsoft.com/office/drawing/2014/main" xmlns="" id="{8B714281-3974-8549-B509-9AD67893AA9A}"/>
+                <a16:creationId xmlns="" xmlns:a16="http://schemas.microsoft.com/office/drawing/2014/main" id="{8B714281-3974-8549-B509-9AD67893AA9A}"/>
               </a:ext>
             </a:extLst>
           </p:cNvPr>
@@ -9127,7 +9256,7 @@
           <p:cNvPr id="6" name="TextBox 3">
             <a:extLst>
               <a:ext uri="{FF2B5EF4-FFF2-40B4-BE49-F238E27FC236}">
-                <a16:creationId xmlns:a16="http://schemas.microsoft.com/office/drawing/2014/main" xmlns="" id="{09BEE7A3-F2C2-8145-B852-24B96B83A958}"/>
+                <a16:creationId xmlns="" xmlns:a16="http://schemas.microsoft.com/office/drawing/2014/main" id="{09BEE7A3-F2C2-8145-B852-24B96B83A958}"/>
               </a:ext>
             </a:extLst>
           </p:cNvPr>
@@ -9281,7 +9410,7 @@
           <p:cNvPr id="5" name="Rectangle 4">
             <a:extLst>
               <a:ext uri="{FF2B5EF4-FFF2-40B4-BE49-F238E27FC236}">
-                <a16:creationId xmlns:a16="http://schemas.microsoft.com/office/drawing/2014/main" xmlns="" id="{8B714281-3974-8549-B509-9AD67893AA9A}"/>
+                <a16:creationId xmlns="" xmlns:a16="http://schemas.microsoft.com/office/drawing/2014/main" id="{8B714281-3974-8549-B509-9AD67893AA9A}"/>
               </a:ext>
             </a:extLst>
           </p:cNvPr>
@@ -9410,7 +9539,7 @@
           <p:cNvPr id="7" name="TextBox 3">
             <a:extLst>
               <a:ext uri="{FF2B5EF4-FFF2-40B4-BE49-F238E27FC236}">
-                <a16:creationId xmlns:a16="http://schemas.microsoft.com/office/drawing/2014/main" xmlns="" id="{09BEE7A3-F2C2-8145-B852-24B96B83A958}"/>
+                <a16:creationId xmlns="" xmlns:a16="http://schemas.microsoft.com/office/drawing/2014/main" id="{09BEE7A3-F2C2-8145-B852-24B96B83A958}"/>
               </a:ext>
             </a:extLst>
           </p:cNvPr>
@@ -9492,7 +9621,7 @@
           <p:cNvPr id="5" name="Rectangle 4">
             <a:extLst>
               <a:ext uri="{FF2B5EF4-FFF2-40B4-BE49-F238E27FC236}">
-                <a16:creationId xmlns:a16="http://schemas.microsoft.com/office/drawing/2014/main" xmlns="" id="{8B714281-3974-8549-B509-9AD67893AA9A}"/>
+                <a16:creationId xmlns="" xmlns:a16="http://schemas.microsoft.com/office/drawing/2014/main" id="{8B714281-3974-8549-B509-9AD67893AA9A}"/>
               </a:ext>
             </a:extLst>
           </p:cNvPr>
@@ -9621,7 +9750,7 @@
           <p:cNvPr id="7" name="TextBox 3">
             <a:extLst>
               <a:ext uri="{FF2B5EF4-FFF2-40B4-BE49-F238E27FC236}">
-                <a16:creationId xmlns:a16="http://schemas.microsoft.com/office/drawing/2014/main" xmlns="" id="{09BEE7A3-F2C2-8145-B852-24B96B83A958}"/>
+                <a16:creationId xmlns="" xmlns:a16="http://schemas.microsoft.com/office/drawing/2014/main" id="{09BEE7A3-F2C2-8145-B852-24B96B83A958}"/>
               </a:ext>
             </a:extLst>
           </p:cNvPr>
@@ -9757,7 +9886,7 @@
           <p:cNvPr id="2" name="TextBox 1">
             <a:extLst>
               <a:ext uri="{FF2B5EF4-FFF2-40B4-BE49-F238E27FC236}">
-                <a16:creationId xmlns:a16="http://schemas.microsoft.com/office/drawing/2014/main" xmlns="" id="{C87AF0DD-367D-6B4B-97E6-2985AC7CE4BB}"/>
+                <a16:creationId xmlns="" xmlns:a16="http://schemas.microsoft.com/office/drawing/2014/main" id="{C87AF0DD-367D-6B4B-97E6-2985AC7CE4BB}"/>
               </a:ext>
             </a:extLst>
           </p:cNvPr>
@@ -9963,7 +10092,7 @@
           <p:cNvPr id="7" name="Rectangle 6">
             <a:extLst>
               <a:ext uri="{FF2B5EF4-FFF2-40B4-BE49-F238E27FC236}">
-                <a16:creationId xmlns:a16="http://schemas.microsoft.com/office/drawing/2014/main" xmlns="" id="{F19C2959-59DB-F748-9A93-E5DF86BCF6D2}"/>
+                <a16:creationId xmlns="" xmlns:a16="http://schemas.microsoft.com/office/drawing/2014/main" id="{F19C2959-59DB-F748-9A93-E5DF86BCF6D2}"/>
               </a:ext>
             </a:extLst>
           </p:cNvPr>
@@ -10074,7 +10203,7 @@
           <p:cNvPr id="5" name="Rectangle 4">
             <a:extLst>
               <a:ext uri="{FF2B5EF4-FFF2-40B4-BE49-F238E27FC236}">
-                <a16:creationId xmlns:a16="http://schemas.microsoft.com/office/drawing/2014/main" xmlns="" id="{8B714281-3974-8549-B509-9AD67893AA9A}"/>
+                <a16:creationId xmlns="" xmlns:a16="http://schemas.microsoft.com/office/drawing/2014/main" id="{8B714281-3974-8549-B509-9AD67893AA9A}"/>
               </a:ext>
             </a:extLst>
           </p:cNvPr>
@@ -10132,17 +10261,7 @@
                 <a:latin typeface="Calibri Light (Títulos)"/>
                 <a:cs typeface="Calibri" panose="020F0502020204030204" pitchFamily="34" charset="0"/>
               </a:rPr>
-              <a:t>5</a:t>
-            </a:r>
-            <a:r>
-              <a:rPr lang="en-US" sz="3500" b="1" dirty="0" smtClean="0">
-                <a:solidFill>
-                  <a:schemeClr val="accent2"/>
-                </a:solidFill>
-                <a:latin typeface="Calibri Light (Títulos)"/>
-                <a:cs typeface="Calibri" panose="020F0502020204030204" pitchFamily="34" charset="0"/>
-              </a:rPr>
-              <a:t>. Next Steps – Recommended ML Models</a:t>
+              <a:t>5. Next Steps – Recommended ML Models</a:t>
             </a:r>
             <a:endParaRPr lang="en-US" sz="3500" dirty="0">
               <a:solidFill>
@@ -10157,7 +10276,7 @@
           <p:cNvPr id="6" name="TextBox 3">
             <a:extLst>
               <a:ext uri="{FF2B5EF4-FFF2-40B4-BE49-F238E27FC236}">
-                <a16:creationId xmlns:a16="http://schemas.microsoft.com/office/drawing/2014/main" xmlns="" id="{09BEE7A3-F2C2-8145-B852-24B96B83A958}"/>
+                <a16:creationId xmlns="" xmlns:a16="http://schemas.microsoft.com/office/drawing/2014/main" id="{09BEE7A3-F2C2-8145-B852-24B96B83A958}"/>
               </a:ext>
             </a:extLst>
           </p:cNvPr>
@@ -10430,7 +10549,7 @@
           <p:cNvPr id="5" name="Rectangle 4">
             <a:extLst>
               <a:ext uri="{FF2B5EF4-FFF2-40B4-BE49-F238E27FC236}">
-                <a16:creationId xmlns:a16="http://schemas.microsoft.com/office/drawing/2014/main" xmlns="" id="{8B714281-3974-8549-B509-9AD67893AA9A}"/>
+                <a16:creationId xmlns="" xmlns:a16="http://schemas.microsoft.com/office/drawing/2014/main" id="{8B714281-3974-8549-B509-9AD67893AA9A}"/>
               </a:ext>
             </a:extLst>
           </p:cNvPr>
@@ -10488,17 +10607,7 @@
                 <a:latin typeface="Calibri Light (Títulos)"/>
                 <a:cs typeface="Calibri" panose="020F0502020204030204" pitchFamily="34" charset="0"/>
               </a:rPr>
-              <a:t>5</a:t>
-            </a:r>
-            <a:r>
-              <a:rPr lang="en-US" sz="3500" b="1" dirty="0" smtClean="0">
-                <a:solidFill>
-                  <a:schemeClr val="accent2"/>
-                </a:solidFill>
-                <a:latin typeface="Calibri Light (Títulos)"/>
-                <a:cs typeface="Calibri" panose="020F0502020204030204" pitchFamily="34" charset="0"/>
-              </a:rPr>
-              <a:t>. Next Steps – Recommended ML Models – part 2</a:t>
+              <a:t>5. Next Steps – Recommended ML Models – part 2</a:t>
             </a:r>
             <a:endParaRPr lang="en-US" sz="3500" dirty="0">
               <a:solidFill>
@@ -10513,7 +10622,7 @@
           <p:cNvPr id="6" name="TextBox 3">
             <a:extLst>
               <a:ext uri="{FF2B5EF4-FFF2-40B4-BE49-F238E27FC236}">
-                <a16:creationId xmlns:a16="http://schemas.microsoft.com/office/drawing/2014/main" xmlns="" id="{09BEE7A3-F2C2-8145-B852-24B96B83A958}"/>
+                <a16:creationId xmlns="" xmlns:a16="http://schemas.microsoft.com/office/drawing/2014/main" id="{09BEE7A3-F2C2-8145-B852-24B96B83A958}"/>
               </a:ext>
             </a:extLst>
           </p:cNvPr>
@@ -10561,7 +10670,6 @@
               <a:rPr lang="en-IE" dirty="0"/>
               <a:t>Stochastic gradient descent is a very popular and common algorithm used in various Machine Learning algorithms, most importantly forms the basis of Neural Networks. </a:t>
             </a:r>
-            <a:endParaRPr lang="en-IE" dirty="0"/>
           </a:p>
           <a:p>
             <a:endParaRPr lang="en-US" b="1" dirty="0" smtClean="0"/>
@@ -10699,7 +10807,7 @@
           <p:cNvPr id="6" name="Subtitle 5">
             <a:extLst>
               <a:ext uri="{FF2B5EF4-FFF2-40B4-BE49-F238E27FC236}">
-                <a16:creationId xmlns:a16="http://schemas.microsoft.com/office/drawing/2014/main" xmlns="" id="{2D4BA697-580E-5544-8F2F-194AD99B859F}"/>
+                <a16:creationId xmlns="" xmlns:a16="http://schemas.microsoft.com/office/drawing/2014/main" id="{2D4BA697-580E-5544-8F2F-194AD99B859F}"/>
               </a:ext>
             </a:extLst>
           </p:cNvPr>
@@ -10745,7 +10853,7 @@
           <p:cNvPr id="3" name="Rectangle 2">
             <a:extLst>
               <a:ext uri="{FF2B5EF4-FFF2-40B4-BE49-F238E27FC236}">
-                <a16:creationId xmlns:a16="http://schemas.microsoft.com/office/drawing/2014/main" xmlns="" id="{49C08CB0-2E68-164C-9080-887E2D20B522}"/>
+                <a16:creationId xmlns="" xmlns:a16="http://schemas.microsoft.com/office/drawing/2014/main" id="{49C08CB0-2E68-164C-9080-887E2D20B522}"/>
               </a:ext>
             </a:extLst>
           </p:cNvPr>
@@ -10796,7 +10904,7 @@
           <p:cNvPr id="7" name="Picture 6">
             <a:extLst>
               <a:ext uri="{FF2B5EF4-FFF2-40B4-BE49-F238E27FC236}">
-                <a16:creationId xmlns:a16="http://schemas.microsoft.com/office/drawing/2014/main" xmlns="" id="{B067532E-7508-4245-8E91-38CA363A61A7}"/>
+                <a16:creationId xmlns="" xmlns:a16="http://schemas.microsoft.com/office/drawing/2014/main" id="{B067532E-7508-4245-8E91-38CA363A61A7}"/>
               </a:ext>
             </a:extLst>
           </p:cNvPr>
@@ -10869,7 +10977,7 @@
           <p:cNvPr id="4" name="TextBox 3">
             <a:extLst>
               <a:ext uri="{FF2B5EF4-FFF2-40B4-BE49-F238E27FC236}">
-                <a16:creationId xmlns:a16="http://schemas.microsoft.com/office/drawing/2014/main" xmlns="" id="{09BEE7A3-F2C2-8145-B852-24B96B83A958}"/>
+                <a16:creationId xmlns="" xmlns:a16="http://schemas.microsoft.com/office/drawing/2014/main" id="{09BEE7A3-F2C2-8145-B852-24B96B83A958}"/>
               </a:ext>
             </a:extLst>
           </p:cNvPr>
@@ -11088,7 +11196,7 @@
           <p:cNvPr id="18" name="Rectangle 17">
             <a:extLst>
               <a:ext uri="{FF2B5EF4-FFF2-40B4-BE49-F238E27FC236}">
-                <a16:creationId xmlns:a16="http://schemas.microsoft.com/office/drawing/2014/main" xmlns="" id="{3FDECAE3-36C4-B048-BBC3-A0828AC8256E}"/>
+                <a16:creationId xmlns="" xmlns:a16="http://schemas.microsoft.com/office/drawing/2014/main" id="{3FDECAE3-36C4-B048-BBC3-A0828AC8256E}"/>
               </a:ext>
             </a:extLst>
           </p:cNvPr>
@@ -11139,7 +11247,7 @@
           <p:cNvPr id="33" name="Title 16">
             <a:extLst>
               <a:ext uri="{FF2B5EF4-FFF2-40B4-BE49-F238E27FC236}">
-                <a16:creationId xmlns:a16="http://schemas.microsoft.com/office/drawing/2014/main" xmlns="" id="{C39E92EF-EA57-D14F-879A-1E01FCAE5C7C}"/>
+                <a16:creationId xmlns="" xmlns:a16="http://schemas.microsoft.com/office/drawing/2014/main" id="{C39E92EF-EA57-D14F-879A-1E01FCAE5C7C}"/>
               </a:ext>
             </a:extLst>
           </p:cNvPr>
@@ -11221,7 +11329,7 @@
           <p:cNvPr id="18" name="Rectangle 17">
             <a:extLst>
               <a:ext uri="{FF2B5EF4-FFF2-40B4-BE49-F238E27FC236}">
-                <a16:creationId xmlns:a16="http://schemas.microsoft.com/office/drawing/2014/main" xmlns="" id="{3FDECAE3-36C4-B048-BBC3-A0828AC8256E}"/>
+                <a16:creationId xmlns="" xmlns:a16="http://schemas.microsoft.com/office/drawing/2014/main" id="{3FDECAE3-36C4-B048-BBC3-A0828AC8256E}"/>
               </a:ext>
             </a:extLst>
           </p:cNvPr>
@@ -11272,7 +11380,7 @@
           <p:cNvPr id="33" name="Title 16">
             <a:extLst>
               <a:ext uri="{FF2B5EF4-FFF2-40B4-BE49-F238E27FC236}">
-                <a16:creationId xmlns:a16="http://schemas.microsoft.com/office/drawing/2014/main" xmlns="" id="{C39E92EF-EA57-D14F-879A-1E01FCAE5C7C}"/>
+                <a16:creationId xmlns="" xmlns:a16="http://schemas.microsoft.com/office/drawing/2014/main" id="{C39E92EF-EA57-D14F-879A-1E01FCAE5C7C}"/>
               </a:ext>
             </a:extLst>
           </p:cNvPr>
@@ -11548,7 +11656,7 @@
           <p:cNvPr id="18" name="Rectangle 17">
             <a:extLst>
               <a:ext uri="{FF2B5EF4-FFF2-40B4-BE49-F238E27FC236}">
-                <a16:creationId xmlns:a16="http://schemas.microsoft.com/office/drawing/2014/main" xmlns="" id="{3FDECAE3-36C4-B048-BBC3-A0828AC8256E}"/>
+                <a16:creationId xmlns="" xmlns:a16="http://schemas.microsoft.com/office/drawing/2014/main" id="{3FDECAE3-36C4-B048-BBC3-A0828AC8256E}"/>
               </a:ext>
             </a:extLst>
           </p:cNvPr>
@@ -11599,7 +11707,7 @@
           <p:cNvPr id="33" name="Title 16">
             <a:extLst>
               <a:ext uri="{FF2B5EF4-FFF2-40B4-BE49-F238E27FC236}">
-                <a16:creationId xmlns:a16="http://schemas.microsoft.com/office/drawing/2014/main" xmlns="" id="{C39E92EF-EA57-D14F-879A-1E01FCAE5C7C}"/>
+                <a16:creationId xmlns="" xmlns:a16="http://schemas.microsoft.com/office/drawing/2014/main" id="{C39E92EF-EA57-D14F-879A-1E01FCAE5C7C}"/>
               </a:ext>
             </a:extLst>
           </p:cNvPr>
@@ -11738,7 +11846,7 @@
           <p:cNvPr id="17" name="Title 1">
             <a:extLst>
               <a:ext uri="{FF2B5EF4-FFF2-40B4-BE49-F238E27FC236}">
-                <a16:creationId xmlns:a16="http://schemas.microsoft.com/office/drawing/2014/main" xmlns="" id="{DF258E9D-9119-1149-9B49-FE0FF5A3EE5F}"/>
+                <a16:creationId xmlns="" xmlns:a16="http://schemas.microsoft.com/office/drawing/2014/main" id="{DF258E9D-9119-1149-9B49-FE0FF5A3EE5F}"/>
               </a:ext>
             </a:extLst>
           </p:cNvPr>
@@ -11777,7 +11885,7 @@
           <p:cNvPr id="3" name="Rectangle 2">
             <a:extLst>
               <a:ext uri="{FF2B5EF4-FFF2-40B4-BE49-F238E27FC236}">
-                <a16:creationId xmlns:a16="http://schemas.microsoft.com/office/drawing/2014/main" xmlns="" id="{5379C949-80B5-CA4E-B810-B4F62F4B63E7}"/>
+                <a16:creationId xmlns="" xmlns:a16="http://schemas.microsoft.com/office/drawing/2014/main" id="{5379C949-80B5-CA4E-B810-B4F62F4B63E7}"/>
               </a:ext>
             </a:extLst>
           </p:cNvPr>
@@ -11882,7 +11990,7 @@
           <p:cNvPr id="18" name="TextBox 3">
             <a:extLst>
               <a:ext uri="{FF2B5EF4-FFF2-40B4-BE49-F238E27FC236}">
-                <a16:creationId xmlns:a16="http://schemas.microsoft.com/office/drawing/2014/main" xmlns="" id="{09BEE7A3-F2C2-8145-B852-24B96B83A958}"/>
+                <a16:creationId xmlns="" xmlns:a16="http://schemas.microsoft.com/office/drawing/2014/main" id="{09BEE7A3-F2C2-8145-B852-24B96B83A958}"/>
               </a:ext>
             </a:extLst>
           </p:cNvPr>
@@ -12039,7 +12147,7 @@
           <p:cNvPr id="17" name="Title 1">
             <a:extLst>
               <a:ext uri="{FF2B5EF4-FFF2-40B4-BE49-F238E27FC236}">
-                <a16:creationId xmlns:a16="http://schemas.microsoft.com/office/drawing/2014/main" xmlns="" id="{DF258E9D-9119-1149-9B49-FE0FF5A3EE5F}"/>
+                <a16:creationId xmlns="" xmlns:a16="http://schemas.microsoft.com/office/drawing/2014/main" id="{DF258E9D-9119-1149-9B49-FE0FF5A3EE5F}"/>
               </a:ext>
             </a:extLst>
           </p:cNvPr>
@@ -12078,7 +12186,7 @@
           <p:cNvPr id="3" name="Rectangle 2">
             <a:extLst>
               <a:ext uri="{FF2B5EF4-FFF2-40B4-BE49-F238E27FC236}">
-                <a16:creationId xmlns:a16="http://schemas.microsoft.com/office/drawing/2014/main" xmlns="" id="{5379C949-80B5-CA4E-B810-B4F62F4B63E7}"/>
+                <a16:creationId xmlns="" xmlns:a16="http://schemas.microsoft.com/office/drawing/2014/main" id="{5379C949-80B5-CA4E-B810-B4F62F4B63E7}"/>
               </a:ext>
             </a:extLst>
           </p:cNvPr>
@@ -12153,7 +12261,7 @@
           <p:cNvPr id="18" name="TextBox 3">
             <a:extLst>
               <a:ext uri="{FF2B5EF4-FFF2-40B4-BE49-F238E27FC236}">
-                <a16:creationId xmlns:a16="http://schemas.microsoft.com/office/drawing/2014/main" xmlns="" id="{09BEE7A3-F2C2-8145-B852-24B96B83A958}"/>
+                <a16:creationId xmlns="" xmlns:a16="http://schemas.microsoft.com/office/drawing/2014/main" id="{09BEE7A3-F2C2-8145-B852-24B96B83A958}"/>
               </a:ext>
             </a:extLst>
           </p:cNvPr>
@@ -12420,7 +12528,7 @@
           <p:cNvPr id="5" name="Rectangle 4">
             <a:extLst>
               <a:ext uri="{FF2B5EF4-FFF2-40B4-BE49-F238E27FC236}">
-                <a16:creationId xmlns:a16="http://schemas.microsoft.com/office/drawing/2014/main" xmlns="" id="{8B714281-3974-8549-B509-9AD67893AA9A}"/>
+                <a16:creationId xmlns="" xmlns:a16="http://schemas.microsoft.com/office/drawing/2014/main" id="{8B714281-3974-8549-B509-9AD67893AA9A}"/>
               </a:ext>
             </a:extLst>
           </p:cNvPr>
@@ -12515,7 +12623,7 @@
           <p:cNvPr id="6" name="TextBox 3">
             <a:extLst>
               <a:ext uri="{FF2B5EF4-FFF2-40B4-BE49-F238E27FC236}">
-                <a16:creationId xmlns:a16="http://schemas.microsoft.com/office/drawing/2014/main" xmlns="" id="{09BEE7A3-F2C2-8145-B852-24B96B83A958}"/>
+                <a16:creationId xmlns="" xmlns:a16="http://schemas.microsoft.com/office/drawing/2014/main" id="{09BEE7A3-F2C2-8145-B852-24B96B83A958}"/>
               </a:ext>
             </a:extLst>
           </p:cNvPr>
@@ -12940,7 +13048,7 @@
   <a:extraClrSchemeLst/>
   <a:extLst>
     <a:ext uri="{05A4C25C-085E-4340-85A3-A5531E510DB2}">
-      <thm15:themeFamily xmlns:thm15="http://schemas.microsoft.com/office/thememl/2012/main" xmlns="" name="Office Theme" id="{62F939B6-93AF-4DB8-9C6B-D6C7DFDC589F}" vid="{4A3C46E8-61CC-4603-A589-7422A47A8E4A}"/>
+      <thm15:themeFamily xmlns="" xmlns:thm15="http://schemas.microsoft.com/office/thememl/2012/main" name="Office Theme" id="{62F939B6-93AF-4DB8-9C6B-D6C7DFDC589F}" vid="{4A3C46E8-61CC-4603-A589-7422A47A8E4A}"/>
     </a:ext>
   </a:extLst>
 </a:theme>
